--- a/FYP-1_present_(1)[1].pptx
+++ b/FYP-1_present_(1)[1].pptx
@@ -5,7 +5,7 @@
     <p:sldMasterId id="2147483659" r:id="rId1"/>
   </p:sldMasterIdLst>
   <p:notesMasterIdLst>
-    <p:notesMasterId r:id="rId59"/>
+    <p:notesMasterId r:id="rId57"/>
   </p:notesMasterIdLst>
   <p:sldIdLst>
     <p:sldId id="256" r:id="rId2"/>
@@ -45,26 +45,24 @@
     <p:sldId id="292" r:id="rId36"/>
     <p:sldId id="293" r:id="rId37"/>
     <p:sldId id="294" r:id="rId38"/>
-    <p:sldId id="295" r:id="rId39"/>
-    <p:sldId id="297" r:id="rId40"/>
-    <p:sldId id="298" r:id="rId41"/>
-    <p:sldId id="299" r:id="rId42"/>
-    <p:sldId id="300" r:id="rId43"/>
-    <p:sldId id="301" r:id="rId44"/>
-    <p:sldId id="302" r:id="rId45"/>
-    <p:sldId id="315" r:id="rId46"/>
-    <p:sldId id="303" r:id="rId47"/>
-    <p:sldId id="317" r:id="rId48"/>
-    <p:sldId id="304" r:id="rId49"/>
-    <p:sldId id="306" r:id="rId50"/>
-    <p:sldId id="307" r:id="rId51"/>
-    <p:sldId id="308" r:id="rId52"/>
-    <p:sldId id="309" r:id="rId53"/>
-    <p:sldId id="310" r:id="rId54"/>
-    <p:sldId id="311" r:id="rId55"/>
-    <p:sldId id="312" r:id="rId56"/>
-    <p:sldId id="314" r:id="rId57"/>
-    <p:sldId id="313" r:id="rId58"/>
+    <p:sldId id="297" r:id="rId39"/>
+    <p:sldId id="298" r:id="rId40"/>
+    <p:sldId id="299" r:id="rId41"/>
+    <p:sldId id="300" r:id="rId42"/>
+    <p:sldId id="301" r:id="rId43"/>
+    <p:sldId id="302" r:id="rId44"/>
+    <p:sldId id="315" r:id="rId45"/>
+    <p:sldId id="303" r:id="rId46"/>
+    <p:sldId id="317" r:id="rId47"/>
+    <p:sldId id="304" r:id="rId48"/>
+    <p:sldId id="306" r:id="rId49"/>
+    <p:sldId id="307" r:id="rId50"/>
+    <p:sldId id="309" r:id="rId51"/>
+    <p:sldId id="310" r:id="rId52"/>
+    <p:sldId id="311" r:id="rId53"/>
+    <p:sldId id="312" r:id="rId54"/>
+    <p:sldId id="314" r:id="rId55"/>
+    <p:sldId id="313" r:id="rId56"/>
   </p:sldIdLst>
   <p:sldSz cx="9144000" cy="6858000" type="screen4x3"/>
   <p:notesSz cx="7315200" cy="9601200"/>
@@ -4304,110 +4302,6 @@
   <p:cSld>
     <p:spTree>
       <p:nvGrpSpPr>
-        <p:cNvPr id="1" name="Shape 398"/>
-        <p:cNvGrpSpPr/>
-        <p:nvPr/>
-      </p:nvGrpSpPr>
-      <p:grpSpPr>
-        <a:xfrm>
-          <a:off x="0" y="0"/>
-          <a:ext cx="0" cy="0"/>
-          <a:chOff x="0" y="0"/>
-          <a:chExt cx="0" cy="0"/>
-        </a:xfrm>
-      </p:grpSpPr>
-      <p:sp>
-        <p:nvSpPr>
-          <p:cNvPr id="399" name="Google Shape;399;p40:notes"/>
-          <p:cNvSpPr txBox="1">
-            <a:spLocks noGrp="1"/>
-          </p:cNvSpPr>
-          <p:nvPr>
-            <p:ph type="body" idx="1"/>
-          </p:nvPr>
-        </p:nvSpPr>
-        <p:spPr>
-          <a:xfrm>
-            <a:off x="731500" y="4560550"/>
-            <a:ext cx="5852150" cy="4320525"/>
-          </a:xfrm>
-          <a:prstGeom prst="rect">
-            <a:avLst/>
-          </a:prstGeom>
-        </p:spPr>
-        <p:txBody>
-          <a:bodyPr spcFirstLastPara="1" wrap="square" lIns="91425" tIns="91425" rIns="91425" bIns="91425" anchor="t" anchorCtr="0">
-            <a:noAutofit/>
-          </a:bodyPr>
-          <a:lstStyle/>
-          <a:p>
-            <a:pPr marL="0" lvl="0" indent="0" algn="l" rtl="0">
-              <a:spcBef>
-                <a:spcPts val="0"/>
-              </a:spcBef>
-              <a:spcAft>
-                <a:spcPts val="0"/>
-              </a:spcAft>
-              <a:buNone/>
-            </a:pPr>
-            <a:endParaRPr/>
-          </a:p>
-        </p:txBody>
-      </p:sp>
-      <p:sp>
-        <p:nvSpPr>
-          <p:cNvPr id="400" name="Google Shape;400;p40:notes"/>
-          <p:cNvSpPr>
-            <a:spLocks noGrp="1" noRot="1" noChangeAspect="1"/>
-          </p:cNvSpPr>
-          <p:nvPr>
-            <p:ph type="sldImg" idx="2"/>
-          </p:nvPr>
-        </p:nvSpPr>
-        <p:spPr>
-          <a:xfrm>
-            <a:off x="1257300" y="720725"/>
-            <a:ext cx="4800600" cy="3600450"/>
-          </a:xfrm>
-          <a:custGeom>
-            <a:avLst/>
-            <a:gdLst/>
-            <a:ahLst/>
-            <a:cxnLst/>
-            <a:rect l="l" t="t" r="r" b="b"/>
-            <a:pathLst>
-              <a:path w="120000" h="120000" extrusionOk="0">
-                <a:moveTo>
-                  <a:pt x="0" y="0"/>
-                </a:moveTo>
-                <a:lnTo>
-                  <a:pt x="120000" y="0"/>
-                </a:lnTo>
-                <a:lnTo>
-                  <a:pt x="120000" y="120000"/>
-                </a:lnTo>
-                <a:lnTo>
-                  <a:pt x="0" y="120000"/>
-                </a:lnTo>
-                <a:close/>
-              </a:path>
-            </a:pathLst>
-          </a:custGeom>
-        </p:spPr>
-      </p:sp>
-    </p:spTree>
-  </p:cSld>
-  <p:clrMapOvr>
-    <a:masterClrMapping/>
-  </p:clrMapOvr>
-</p:notes>
-</file>
-
-<file path=ppt/notesSlides/notesSlide39.xml><?xml version="1.0" encoding="utf-8"?>
-<p:notes xmlns:a="http://schemas.openxmlformats.org/drawingml/2006/main" xmlns:r="http://schemas.openxmlformats.org/officeDocument/2006/relationships" xmlns:p="http://schemas.openxmlformats.org/presentationml/2006/main" showMasterSp="0" showMasterPhAnim="0">
-  <p:cSld>
-    <p:spTree>
-      <p:nvGrpSpPr>
         <p:cNvPr id="1" name="Shape 412"/>
         <p:cNvGrpSpPr/>
         <p:nvPr/>
@@ -4469,6 +4363,128 @@
       <p:sp>
         <p:nvSpPr>
           <p:cNvPr id="414" name="Google Shape;414;p42:notes"/>
+          <p:cNvSpPr>
+            <a:spLocks noGrp="1" noRot="1" noChangeAspect="1"/>
+          </p:cNvSpPr>
+          <p:nvPr>
+            <p:ph type="sldImg" idx="2"/>
+          </p:nvPr>
+        </p:nvSpPr>
+        <p:spPr>
+          <a:xfrm>
+            <a:off x="1257300" y="720725"/>
+            <a:ext cx="4800600" cy="3600450"/>
+          </a:xfrm>
+          <a:custGeom>
+            <a:avLst/>
+            <a:gdLst/>
+            <a:ahLst/>
+            <a:cxnLst/>
+            <a:rect l="l" t="t" r="r" b="b"/>
+            <a:pathLst>
+              <a:path w="120000" h="120000" extrusionOk="0">
+                <a:moveTo>
+                  <a:pt x="0" y="0"/>
+                </a:moveTo>
+                <a:lnTo>
+                  <a:pt x="120000" y="0"/>
+                </a:lnTo>
+                <a:lnTo>
+                  <a:pt x="120000" y="120000"/>
+                </a:lnTo>
+                <a:lnTo>
+                  <a:pt x="0" y="120000"/>
+                </a:lnTo>
+                <a:close/>
+              </a:path>
+            </a:pathLst>
+          </a:custGeom>
+          <a:noFill/>
+          <a:ln w="9525" cap="flat" cmpd="sng">
+            <a:solidFill>
+              <a:srgbClr val="000000"/>
+            </a:solidFill>
+            <a:prstDash val="solid"/>
+            <a:round/>
+            <a:headEnd type="none" w="sm" len="sm"/>
+            <a:tailEnd type="none" w="sm" len="sm"/>
+          </a:ln>
+        </p:spPr>
+      </p:sp>
+    </p:spTree>
+  </p:cSld>
+  <p:clrMapOvr>
+    <a:masterClrMapping/>
+  </p:clrMapOvr>
+</p:notes>
+</file>
+
+<file path=ppt/notesSlides/notesSlide39.xml><?xml version="1.0" encoding="utf-8"?>
+<p:notes xmlns:a="http://schemas.openxmlformats.org/drawingml/2006/main" xmlns:r="http://schemas.openxmlformats.org/officeDocument/2006/relationships" xmlns:p="http://schemas.openxmlformats.org/presentationml/2006/main" showMasterSp="0" showMasterPhAnim="0">
+  <p:cSld>
+    <p:spTree>
+      <p:nvGrpSpPr>
+        <p:cNvPr id="1" name="Shape 421"/>
+        <p:cNvGrpSpPr/>
+        <p:nvPr/>
+      </p:nvGrpSpPr>
+      <p:grpSpPr>
+        <a:xfrm>
+          <a:off x="0" y="0"/>
+          <a:ext cx="0" cy="0"/>
+          <a:chOff x="0" y="0"/>
+          <a:chExt cx="0" cy="0"/>
+        </a:xfrm>
+      </p:grpSpPr>
+      <p:sp>
+        <p:nvSpPr>
+          <p:cNvPr id="422" name="Google Shape;422;p43:notes"/>
+          <p:cNvSpPr txBox="1">
+            <a:spLocks noGrp="1"/>
+          </p:cNvSpPr>
+          <p:nvPr>
+            <p:ph type="body" idx="1"/>
+          </p:nvPr>
+        </p:nvSpPr>
+        <p:spPr>
+          <a:xfrm>
+            <a:off x="731500" y="4560550"/>
+            <a:ext cx="5852150" cy="4320525"/>
+          </a:xfrm>
+          <a:prstGeom prst="rect">
+            <a:avLst/>
+          </a:prstGeom>
+          <a:noFill/>
+          <a:ln>
+            <a:noFill/>
+          </a:ln>
+        </p:spPr>
+        <p:txBody>
+          <a:bodyPr spcFirstLastPara="1" wrap="square" lIns="91425" tIns="91425" rIns="91425" bIns="91425" anchor="t" anchorCtr="0">
+            <a:noAutofit/>
+          </a:bodyPr>
+          <a:lstStyle/>
+          <a:p>
+            <a:pPr marL="0" lvl="0" indent="0" algn="l" rtl="0">
+              <a:lnSpc>
+                <a:spcPct val="100000"/>
+              </a:lnSpc>
+              <a:spcBef>
+                <a:spcPts val="0"/>
+              </a:spcBef>
+              <a:spcAft>
+                <a:spcPts val="0"/>
+              </a:spcAft>
+              <a:buSzPts val="1100"/>
+              <a:buNone/>
+            </a:pPr>
+            <a:endParaRPr/>
+          </a:p>
+        </p:txBody>
+      </p:sp>
+      <p:sp>
+        <p:nvSpPr>
+          <p:cNvPr id="423" name="Google Shape;423;p43:notes"/>
           <p:cNvSpPr>
             <a:spLocks noGrp="1" noRot="1" noChangeAspect="1"/>
           </p:cNvSpPr>
@@ -4652,128 +4668,6 @@
   <p:cSld>
     <p:spTree>
       <p:nvGrpSpPr>
-        <p:cNvPr id="1" name="Shape 421"/>
-        <p:cNvGrpSpPr/>
-        <p:nvPr/>
-      </p:nvGrpSpPr>
-      <p:grpSpPr>
-        <a:xfrm>
-          <a:off x="0" y="0"/>
-          <a:ext cx="0" cy="0"/>
-          <a:chOff x="0" y="0"/>
-          <a:chExt cx="0" cy="0"/>
-        </a:xfrm>
-      </p:grpSpPr>
-      <p:sp>
-        <p:nvSpPr>
-          <p:cNvPr id="422" name="Google Shape;422;p43:notes"/>
-          <p:cNvSpPr txBox="1">
-            <a:spLocks noGrp="1"/>
-          </p:cNvSpPr>
-          <p:nvPr>
-            <p:ph type="body" idx="1"/>
-          </p:nvPr>
-        </p:nvSpPr>
-        <p:spPr>
-          <a:xfrm>
-            <a:off x="731500" y="4560550"/>
-            <a:ext cx="5852150" cy="4320525"/>
-          </a:xfrm>
-          <a:prstGeom prst="rect">
-            <a:avLst/>
-          </a:prstGeom>
-          <a:noFill/>
-          <a:ln>
-            <a:noFill/>
-          </a:ln>
-        </p:spPr>
-        <p:txBody>
-          <a:bodyPr spcFirstLastPara="1" wrap="square" lIns="91425" tIns="91425" rIns="91425" bIns="91425" anchor="t" anchorCtr="0">
-            <a:noAutofit/>
-          </a:bodyPr>
-          <a:lstStyle/>
-          <a:p>
-            <a:pPr marL="0" lvl="0" indent="0" algn="l" rtl="0">
-              <a:lnSpc>
-                <a:spcPct val="100000"/>
-              </a:lnSpc>
-              <a:spcBef>
-                <a:spcPts val="0"/>
-              </a:spcBef>
-              <a:spcAft>
-                <a:spcPts val="0"/>
-              </a:spcAft>
-              <a:buSzPts val="1100"/>
-              <a:buNone/>
-            </a:pPr>
-            <a:endParaRPr/>
-          </a:p>
-        </p:txBody>
-      </p:sp>
-      <p:sp>
-        <p:nvSpPr>
-          <p:cNvPr id="423" name="Google Shape;423;p43:notes"/>
-          <p:cNvSpPr>
-            <a:spLocks noGrp="1" noRot="1" noChangeAspect="1"/>
-          </p:cNvSpPr>
-          <p:nvPr>
-            <p:ph type="sldImg" idx="2"/>
-          </p:nvPr>
-        </p:nvSpPr>
-        <p:spPr>
-          <a:xfrm>
-            <a:off x="1257300" y="720725"/>
-            <a:ext cx="4800600" cy="3600450"/>
-          </a:xfrm>
-          <a:custGeom>
-            <a:avLst/>
-            <a:gdLst/>
-            <a:ahLst/>
-            <a:cxnLst/>
-            <a:rect l="l" t="t" r="r" b="b"/>
-            <a:pathLst>
-              <a:path w="120000" h="120000" extrusionOk="0">
-                <a:moveTo>
-                  <a:pt x="0" y="0"/>
-                </a:moveTo>
-                <a:lnTo>
-                  <a:pt x="120000" y="0"/>
-                </a:lnTo>
-                <a:lnTo>
-                  <a:pt x="120000" y="120000"/>
-                </a:lnTo>
-                <a:lnTo>
-                  <a:pt x="0" y="120000"/>
-                </a:lnTo>
-                <a:close/>
-              </a:path>
-            </a:pathLst>
-          </a:custGeom>
-          <a:noFill/>
-          <a:ln w="9525" cap="flat" cmpd="sng">
-            <a:solidFill>
-              <a:srgbClr val="000000"/>
-            </a:solidFill>
-            <a:prstDash val="solid"/>
-            <a:round/>
-            <a:headEnd type="none" w="sm" len="sm"/>
-            <a:tailEnd type="none" w="sm" len="sm"/>
-          </a:ln>
-        </p:spPr>
-      </p:sp>
-    </p:spTree>
-  </p:cSld>
-  <p:clrMapOvr>
-    <a:masterClrMapping/>
-  </p:clrMapOvr>
-</p:notes>
-</file>
-
-<file path=ppt/notesSlides/notesSlide41.xml><?xml version="1.0" encoding="utf-8"?>
-<p:notes xmlns:a="http://schemas.openxmlformats.org/drawingml/2006/main" xmlns:r="http://schemas.openxmlformats.org/officeDocument/2006/relationships" xmlns:p="http://schemas.openxmlformats.org/presentationml/2006/main" showMasterSp="0" showMasterPhAnim="0">
-  <p:cSld>
-    <p:spTree>
-      <p:nvGrpSpPr>
         <p:cNvPr id="1" name="Shape 430"/>
         <p:cNvGrpSpPr/>
         <p:nvPr/>
@@ -4873,7 +4767,7 @@
 </p:notes>
 </file>
 
-<file path=ppt/notesSlides/notesSlide42.xml><?xml version="1.0" encoding="utf-8"?>
+<file path=ppt/notesSlides/notesSlide41.xml><?xml version="1.0" encoding="utf-8"?>
 <p:notes xmlns:a="http://schemas.openxmlformats.org/drawingml/2006/main" xmlns:r="http://schemas.openxmlformats.org/officeDocument/2006/relationships" xmlns:p="http://schemas.openxmlformats.org/presentationml/2006/main" showMasterSp="0" showMasterPhAnim="0">
   <p:cSld>
     <p:spTree>
@@ -4995,7 +4889,7 @@
 </p:notes>
 </file>
 
-<file path=ppt/notesSlides/notesSlide43.xml><?xml version="1.0" encoding="utf-8"?>
+<file path=ppt/notesSlides/notesSlide42.xml><?xml version="1.0" encoding="utf-8"?>
 <p:notes xmlns:a="http://schemas.openxmlformats.org/drawingml/2006/main" xmlns:r="http://schemas.openxmlformats.org/officeDocument/2006/relationships" xmlns:p="http://schemas.openxmlformats.org/presentationml/2006/main" showMasterSp="0" showMasterPhAnim="0">
   <p:cSld>
     <p:spTree>
@@ -5117,7 +5011,7 @@
 </p:notes>
 </file>
 
-<file path=ppt/notesSlides/notesSlide44.xml><?xml version="1.0" encoding="utf-8"?>
+<file path=ppt/notesSlides/notesSlide43.xml><?xml version="1.0" encoding="utf-8"?>
 <p:notes xmlns:a="http://schemas.openxmlformats.org/drawingml/2006/main" xmlns:r="http://schemas.openxmlformats.org/officeDocument/2006/relationships" xmlns:p="http://schemas.openxmlformats.org/presentationml/2006/main" showMasterSp="0" showMasterPhAnim="0">
   <p:cSld>
     <p:spTree>
@@ -5221,7 +5115,7 @@
 </p:notes>
 </file>
 
-<file path=ppt/notesSlides/notesSlide45.xml><?xml version="1.0" encoding="utf-8"?>
+<file path=ppt/notesSlides/notesSlide44.xml><?xml version="1.0" encoding="utf-8"?>
 <p:notes xmlns:a="http://schemas.openxmlformats.org/drawingml/2006/main" xmlns:r="http://schemas.openxmlformats.org/officeDocument/2006/relationships" xmlns:p="http://schemas.openxmlformats.org/presentationml/2006/main" showMasterSp="0" showMasterPhAnim="0">
   <p:cSld>
     <p:spTree>
@@ -5366,7 +5260,7 @@
 </p:notes>
 </file>
 
-<file path=ppt/notesSlides/notesSlide46.xml><?xml version="1.0" encoding="utf-8"?>
+<file path=ppt/notesSlides/notesSlide45.xml><?xml version="1.0" encoding="utf-8"?>
 <p:notes xmlns:a="http://schemas.openxmlformats.org/drawingml/2006/main" xmlns:r="http://schemas.openxmlformats.org/officeDocument/2006/relationships" xmlns:p="http://schemas.openxmlformats.org/presentationml/2006/main" showMasterSp="0" showMasterPhAnim="0">
   <p:cSld>
     <p:spTree>
@@ -5488,7 +5382,7 @@
 </p:notes>
 </file>
 
-<file path=ppt/notesSlides/notesSlide47.xml><?xml version="1.0" encoding="utf-8"?>
+<file path=ppt/notesSlides/notesSlide46.xml><?xml version="1.0" encoding="utf-8"?>
 <p:notes xmlns:a="http://schemas.openxmlformats.org/drawingml/2006/main" xmlns:r="http://schemas.openxmlformats.org/officeDocument/2006/relationships" xmlns:p="http://schemas.openxmlformats.org/presentationml/2006/main" showMasterSp="0" showMasterPhAnim="0">
   <p:cSld>
     <p:spTree>
@@ -5610,7 +5504,7 @@
 </p:notes>
 </file>
 
-<file path=ppt/notesSlides/notesSlide48.xml><?xml version="1.0" encoding="utf-8"?>
+<file path=ppt/notesSlides/notesSlide47.xml><?xml version="1.0" encoding="utf-8"?>
 <p:notes xmlns:a="http://schemas.openxmlformats.org/drawingml/2006/main" xmlns:r="http://schemas.openxmlformats.org/officeDocument/2006/relationships" xmlns:p="http://schemas.openxmlformats.org/presentationml/2006/main" showMasterSp="0" showMasterPhAnim="0">
   <p:cSld>
     <p:spTree>
@@ -5732,7 +5626,7 @@
 </p:notes>
 </file>
 
-<file path=ppt/notesSlides/notesSlide49.xml><?xml version="1.0" encoding="utf-8"?>
+<file path=ppt/notesSlides/notesSlide48.xml><?xml version="1.0" encoding="utf-8"?>
 <p:notes xmlns:a="http://schemas.openxmlformats.org/drawingml/2006/main" xmlns:r="http://schemas.openxmlformats.org/officeDocument/2006/relationships" xmlns:p="http://schemas.openxmlformats.org/presentationml/2006/main" showMasterSp="0" showMasterPhAnim="0">
   <p:cSld>
     <p:spTree>
@@ -5798,6 +5692,128 @@
       <p:sp>
         <p:nvSpPr>
           <p:cNvPr id="496" name="Google Shape;496;p52:notes"/>
+          <p:cNvSpPr>
+            <a:spLocks noGrp="1" noRot="1" noChangeAspect="1"/>
+          </p:cNvSpPr>
+          <p:nvPr>
+            <p:ph type="sldImg" idx="2"/>
+          </p:nvPr>
+        </p:nvSpPr>
+        <p:spPr>
+          <a:xfrm>
+            <a:off x="1257300" y="720725"/>
+            <a:ext cx="4800600" cy="3600450"/>
+          </a:xfrm>
+          <a:custGeom>
+            <a:avLst/>
+            <a:gdLst/>
+            <a:ahLst/>
+            <a:cxnLst/>
+            <a:rect l="l" t="t" r="r" b="b"/>
+            <a:pathLst>
+              <a:path w="120000" h="120000" extrusionOk="0">
+                <a:moveTo>
+                  <a:pt x="0" y="0"/>
+                </a:moveTo>
+                <a:lnTo>
+                  <a:pt x="120000" y="0"/>
+                </a:lnTo>
+                <a:lnTo>
+                  <a:pt x="120000" y="120000"/>
+                </a:lnTo>
+                <a:lnTo>
+                  <a:pt x="0" y="120000"/>
+                </a:lnTo>
+                <a:close/>
+              </a:path>
+            </a:pathLst>
+          </a:custGeom>
+          <a:noFill/>
+          <a:ln w="9525" cap="flat" cmpd="sng">
+            <a:solidFill>
+              <a:srgbClr val="000000"/>
+            </a:solidFill>
+            <a:prstDash val="solid"/>
+            <a:round/>
+            <a:headEnd type="none" w="sm" len="sm"/>
+            <a:tailEnd type="none" w="sm" len="sm"/>
+          </a:ln>
+        </p:spPr>
+      </p:sp>
+    </p:spTree>
+  </p:cSld>
+  <p:clrMapOvr>
+    <a:masterClrMapping/>
+  </p:clrMapOvr>
+</p:notes>
+</file>
+
+<file path=ppt/notesSlides/notesSlide49.xml><?xml version="1.0" encoding="utf-8"?>
+<p:notes xmlns:a="http://schemas.openxmlformats.org/drawingml/2006/main" xmlns:r="http://schemas.openxmlformats.org/officeDocument/2006/relationships" xmlns:p="http://schemas.openxmlformats.org/presentationml/2006/main" showMasterSp="0" showMasterPhAnim="0">
+  <p:cSld>
+    <p:spTree>
+      <p:nvGrpSpPr>
+        <p:cNvPr id="1" name="Shape 509"/>
+        <p:cNvGrpSpPr/>
+        <p:nvPr/>
+      </p:nvGrpSpPr>
+      <p:grpSpPr>
+        <a:xfrm>
+          <a:off x="0" y="0"/>
+          <a:ext cx="0" cy="0"/>
+          <a:chOff x="0" y="0"/>
+          <a:chExt cx="0" cy="0"/>
+        </a:xfrm>
+      </p:grpSpPr>
+      <p:sp>
+        <p:nvSpPr>
+          <p:cNvPr id="510" name="Google Shape;510;p54:notes"/>
+          <p:cNvSpPr txBox="1">
+            <a:spLocks noGrp="1"/>
+          </p:cNvSpPr>
+          <p:nvPr>
+            <p:ph type="body" idx="1"/>
+          </p:nvPr>
+        </p:nvSpPr>
+        <p:spPr>
+          <a:xfrm>
+            <a:off x="731500" y="4560550"/>
+            <a:ext cx="5852150" cy="4320525"/>
+          </a:xfrm>
+          <a:prstGeom prst="rect">
+            <a:avLst/>
+          </a:prstGeom>
+          <a:noFill/>
+          <a:ln>
+            <a:noFill/>
+          </a:ln>
+        </p:spPr>
+        <p:txBody>
+          <a:bodyPr spcFirstLastPara="1" wrap="square" lIns="91425" tIns="91425" rIns="91425" bIns="91425" anchor="t" anchorCtr="0">
+            <a:noAutofit/>
+          </a:bodyPr>
+          <a:lstStyle/>
+          <a:p>
+            <a:pPr marL="0" lvl="0" indent="0" algn="l" rtl="0">
+              <a:lnSpc>
+                <a:spcPct val="100000"/>
+              </a:lnSpc>
+              <a:spcBef>
+                <a:spcPts val="0"/>
+              </a:spcBef>
+              <a:spcAft>
+                <a:spcPts val="0"/>
+              </a:spcAft>
+              <a:buSzPts val="1100"/>
+              <a:buNone/>
+            </a:pPr>
+            <a:endParaRPr/>
+          </a:p>
+        </p:txBody>
+      </p:sp>
+      <p:sp>
+        <p:nvSpPr>
+          <p:cNvPr id="511" name="Google Shape;511;p54:notes"/>
           <p:cNvSpPr>
             <a:spLocks noGrp="1" noRot="1" noChangeAspect="1"/>
           </p:cNvSpPr>
@@ -5981,250 +5997,6 @@
   <p:cSld>
     <p:spTree>
       <p:nvGrpSpPr>
-        <p:cNvPr id="1" name="Shape 501"/>
-        <p:cNvGrpSpPr/>
-        <p:nvPr/>
-      </p:nvGrpSpPr>
-      <p:grpSpPr>
-        <a:xfrm>
-          <a:off x="0" y="0"/>
-          <a:ext cx="0" cy="0"/>
-          <a:chOff x="0" y="0"/>
-          <a:chExt cx="0" cy="0"/>
-        </a:xfrm>
-      </p:grpSpPr>
-      <p:sp>
-        <p:nvSpPr>
-          <p:cNvPr id="502" name="Google Shape;502;p53:notes"/>
-          <p:cNvSpPr txBox="1">
-            <a:spLocks noGrp="1"/>
-          </p:cNvSpPr>
-          <p:nvPr>
-            <p:ph type="body" idx="1"/>
-          </p:nvPr>
-        </p:nvSpPr>
-        <p:spPr>
-          <a:xfrm>
-            <a:off x="731500" y="4560550"/>
-            <a:ext cx="5852150" cy="4320525"/>
-          </a:xfrm>
-          <a:prstGeom prst="rect">
-            <a:avLst/>
-          </a:prstGeom>
-          <a:noFill/>
-          <a:ln>
-            <a:noFill/>
-          </a:ln>
-        </p:spPr>
-        <p:txBody>
-          <a:bodyPr spcFirstLastPara="1" wrap="square" lIns="91425" tIns="91425" rIns="91425" bIns="91425" anchor="t" anchorCtr="0">
-            <a:noAutofit/>
-          </a:bodyPr>
-          <a:lstStyle/>
-          <a:p>
-            <a:pPr marL="0" lvl="0" indent="0" algn="l" rtl="0">
-              <a:lnSpc>
-                <a:spcPct val="100000"/>
-              </a:lnSpc>
-              <a:spcBef>
-                <a:spcPts val="0"/>
-              </a:spcBef>
-              <a:spcAft>
-                <a:spcPts val="0"/>
-              </a:spcAft>
-              <a:buSzPts val="1100"/>
-              <a:buNone/>
-            </a:pPr>
-            <a:endParaRPr/>
-          </a:p>
-        </p:txBody>
-      </p:sp>
-      <p:sp>
-        <p:nvSpPr>
-          <p:cNvPr id="503" name="Google Shape;503;p53:notes"/>
-          <p:cNvSpPr>
-            <a:spLocks noGrp="1" noRot="1" noChangeAspect="1"/>
-          </p:cNvSpPr>
-          <p:nvPr>
-            <p:ph type="sldImg" idx="2"/>
-          </p:nvPr>
-        </p:nvSpPr>
-        <p:spPr>
-          <a:xfrm>
-            <a:off x="1257300" y="720725"/>
-            <a:ext cx="4800600" cy="3600450"/>
-          </a:xfrm>
-          <a:custGeom>
-            <a:avLst/>
-            <a:gdLst/>
-            <a:ahLst/>
-            <a:cxnLst/>
-            <a:rect l="l" t="t" r="r" b="b"/>
-            <a:pathLst>
-              <a:path w="120000" h="120000" extrusionOk="0">
-                <a:moveTo>
-                  <a:pt x="0" y="0"/>
-                </a:moveTo>
-                <a:lnTo>
-                  <a:pt x="120000" y="0"/>
-                </a:lnTo>
-                <a:lnTo>
-                  <a:pt x="120000" y="120000"/>
-                </a:lnTo>
-                <a:lnTo>
-                  <a:pt x="0" y="120000"/>
-                </a:lnTo>
-                <a:close/>
-              </a:path>
-            </a:pathLst>
-          </a:custGeom>
-          <a:noFill/>
-          <a:ln w="9525" cap="flat" cmpd="sng">
-            <a:solidFill>
-              <a:srgbClr val="000000"/>
-            </a:solidFill>
-            <a:prstDash val="solid"/>
-            <a:round/>
-            <a:headEnd type="none" w="sm" len="sm"/>
-            <a:tailEnd type="none" w="sm" len="sm"/>
-          </a:ln>
-        </p:spPr>
-      </p:sp>
-    </p:spTree>
-  </p:cSld>
-  <p:clrMapOvr>
-    <a:masterClrMapping/>
-  </p:clrMapOvr>
-</p:notes>
-</file>
-
-<file path=ppt/notesSlides/notesSlide51.xml><?xml version="1.0" encoding="utf-8"?>
-<p:notes xmlns:a="http://schemas.openxmlformats.org/drawingml/2006/main" xmlns:r="http://schemas.openxmlformats.org/officeDocument/2006/relationships" xmlns:p="http://schemas.openxmlformats.org/presentationml/2006/main" showMasterSp="0" showMasterPhAnim="0">
-  <p:cSld>
-    <p:spTree>
-      <p:nvGrpSpPr>
-        <p:cNvPr id="1" name="Shape 509"/>
-        <p:cNvGrpSpPr/>
-        <p:nvPr/>
-      </p:nvGrpSpPr>
-      <p:grpSpPr>
-        <a:xfrm>
-          <a:off x="0" y="0"/>
-          <a:ext cx="0" cy="0"/>
-          <a:chOff x="0" y="0"/>
-          <a:chExt cx="0" cy="0"/>
-        </a:xfrm>
-      </p:grpSpPr>
-      <p:sp>
-        <p:nvSpPr>
-          <p:cNvPr id="510" name="Google Shape;510;p54:notes"/>
-          <p:cNvSpPr txBox="1">
-            <a:spLocks noGrp="1"/>
-          </p:cNvSpPr>
-          <p:nvPr>
-            <p:ph type="body" idx="1"/>
-          </p:nvPr>
-        </p:nvSpPr>
-        <p:spPr>
-          <a:xfrm>
-            <a:off x="731500" y="4560550"/>
-            <a:ext cx="5852150" cy="4320525"/>
-          </a:xfrm>
-          <a:prstGeom prst="rect">
-            <a:avLst/>
-          </a:prstGeom>
-          <a:noFill/>
-          <a:ln>
-            <a:noFill/>
-          </a:ln>
-        </p:spPr>
-        <p:txBody>
-          <a:bodyPr spcFirstLastPara="1" wrap="square" lIns="91425" tIns="91425" rIns="91425" bIns="91425" anchor="t" anchorCtr="0">
-            <a:noAutofit/>
-          </a:bodyPr>
-          <a:lstStyle/>
-          <a:p>
-            <a:pPr marL="0" lvl="0" indent="0" algn="l" rtl="0">
-              <a:lnSpc>
-                <a:spcPct val="100000"/>
-              </a:lnSpc>
-              <a:spcBef>
-                <a:spcPts val="0"/>
-              </a:spcBef>
-              <a:spcAft>
-                <a:spcPts val="0"/>
-              </a:spcAft>
-              <a:buSzPts val="1100"/>
-              <a:buNone/>
-            </a:pPr>
-            <a:endParaRPr/>
-          </a:p>
-        </p:txBody>
-      </p:sp>
-      <p:sp>
-        <p:nvSpPr>
-          <p:cNvPr id="511" name="Google Shape;511;p54:notes"/>
-          <p:cNvSpPr>
-            <a:spLocks noGrp="1" noRot="1" noChangeAspect="1"/>
-          </p:cNvSpPr>
-          <p:nvPr>
-            <p:ph type="sldImg" idx="2"/>
-          </p:nvPr>
-        </p:nvSpPr>
-        <p:spPr>
-          <a:xfrm>
-            <a:off x="1257300" y="720725"/>
-            <a:ext cx="4800600" cy="3600450"/>
-          </a:xfrm>
-          <a:custGeom>
-            <a:avLst/>
-            <a:gdLst/>
-            <a:ahLst/>
-            <a:cxnLst/>
-            <a:rect l="l" t="t" r="r" b="b"/>
-            <a:pathLst>
-              <a:path w="120000" h="120000" extrusionOk="0">
-                <a:moveTo>
-                  <a:pt x="0" y="0"/>
-                </a:moveTo>
-                <a:lnTo>
-                  <a:pt x="120000" y="0"/>
-                </a:lnTo>
-                <a:lnTo>
-                  <a:pt x="120000" y="120000"/>
-                </a:lnTo>
-                <a:lnTo>
-                  <a:pt x="0" y="120000"/>
-                </a:lnTo>
-                <a:close/>
-              </a:path>
-            </a:pathLst>
-          </a:custGeom>
-          <a:noFill/>
-          <a:ln w="9525" cap="flat" cmpd="sng">
-            <a:solidFill>
-              <a:srgbClr val="000000"/>
-            </a:solidFill>
-            <a:prstDash val="solid"/>
-            <a:round/>
-            <a:headEnd type="none" w="sm" len="sm"/>
-            <a:tailEnd type="none" w="sm" len="sm"/>
-          </a:ln>
-        </p:spPr>
-      </p:sp>
-    </p:spTree>
-  </p:cSld>
-  <p:clrMapOvr>
-    <a:masterClrMapping/>
-  </p:clrMapOvr>
-</p:notes>
-</file>
-
-<file path=ppt/notesSlides/notesSlide52.xml><?xml version="1.0" encoding="utf-8"?>
-<p:notes xmlns:a="http://schemas.openxmlformats.org/drawingml/2006/main" xmlns:r="http://schemas.openxmlformats.org/officeDocument/2006/relationships" xmlns:p="http://schemas.openxmlformats.org/presentationml/2006/main" showMasterSp="0" showMasterPhAnim="0">
-  <p:cSld>
-    <p:spTree>
-      <p:nvGrpSpPr>
         <p:cNvPr id="1" name="Shape 517"/>
         <p:cNvGrpSpPr/>
         <p:nvPr/>
@@ -6342,7 +6114,7 @@
 </p:notes>
 </file>
 
-<file path=ppt/notesSlides/notesSlide53.xml><?xml version="1.0" encoding="utf-8"?>
+<file path=ppt/notesSlides/notesSlide51.xml><?xml version="1.0" encoding="utf-8"?>
 <p:notes xmlns:a="http://schemas.openxmlformats.org/drawingml/2006/main" xmlns:r="http://schemas.openxmlformats.org/officeDocument/2006/relationships" xmlns:p="http://schemas.openxmlformats.org/presentationml/2006/main" showMasterSp="0" showMasterPhAnim="0">
   <p:cSld>
     <p:spTree>
@@ -6464,7 +6236,7 @@
 </p:notes>
 </file>
 
-<file path=ppt/notesSlides/notesSlide54.xml><?xml version="1.0" encoding="utf-8"?>
+<file path=ppt/notesSlides/notesSlide52.xml><?xml version="1.0" encoding="utf-8"?>
 <p:notes xmlns:a="http://schemas.openxmlformats.org/drawingml/2006/main" xmlns:r="http://schemas.openxmlformats.org/officeDocument/2006/relationships" xmlns:p="http://schemas.openxmlformats.org/presentationml/2006/main" showMasterSp="0" showMasterPhAnim="0">
   <p:cSld>
     <p:spTree>
@@ -6586,7 +6358,7 @@
 </p:notes>
 </file>
 
-<file path=ppt/notesSlides/notesSlide55.xml><?xml version="1.0" encoding="utf-8"?>
+<file path=ppt/notesSlides/notesSlide53.xml><?xml version="1.0" encoding="utf-8"?>
 <p:notes xmlns:a="http://schemas.openxmlformats.org/drawingml/2006/main" xmlns:r="http://schemas.openxmlformats.org/officeDocument/2006/relationships" xmlns:p="http://schemas.openxmlformats.org/presentationml/2006/main" showMasterSp="0" showMasterPhAnim="0">
   <p:cSld>
     <p:spTree>
@@ -31485,301 +31257,6 @@
   <p:cSld>
     <p:spTree>
       <p:nvGrpSpPr>
-        <p:cNvPr id="1" name="Shape 401"/>
-        <p:cNvGrpSpPr/>
-        <p:nvPr/>
-      </p:nvGrpSpPr>
-      <p:grpSpPr>
-        <a:xfrm>
-          <a:off x="0" y="0"/>
-          <a:ext cx="0" cy="0"/>
-          <a:chOff x="0" y="0"/>
-          <a:chExt cx="0" cy="0"/>
-        </a:xfrm>
-      </p:grpSpPr>
-      <p:sp>
-        <p:nvSpPr>
-          <p:cNvPr id="402" name="Google Shape;402;p52"/>
-          <p:cNvSpPr txBox="1">
-            <a:spLocks noGrp="1"/>
-          </p:cNvSpPr>
-          <p:nvPr>
-            <p:ph type="title"/>
-          </p:nvPr>
-        </p:nvSpPr>
-        <p:spPr>
-          <a:xfrm>
-            <a:off x="457200" y="274638"/>
-            <a:ext cx="8229600" cy="1143000"/>
-          </a:xfrm>
-          <a:prstGeom prst="rect">
-            <a:avLst/>
-          </a:prstGeom>
-          <a:noFill/>
-          <a:ln>
-            <a:noFill/>
-          </a:ln>
-        </p:spPr>
-        <p:txBody>
-          <a:bodyPr spcFirstLastPara="1" wrap="square" lIns="91425" tIns="45700" rIns="91425" bIns="45700" anchor="ctr" anchorCtr="0">
-            <a:noAutofit/>
-          </a:bodyPr>
-          <a:lstStyle/>
-          <a:p>
-            <a:pPr marL="0" lvl="0" indent="0" algn="ctr" rtl="0">
-              <a:lnSpc>
-                <a:spcPct val="100000"/>
-              </a:lnSpc>
-              <a:spcBef>
-                <a:spcPts val="0"/>
-              </a:spcBef>
-              <a:spcAft>
-                <a:spcPts val="0"/>
-              </a:spcAft>
-              <a:buSzPts val="1400"/>
-              <a:buNone/>
-            </a:pPr>
-            <a:r>
-              <a:rPr lang="en-US"/>
-              <a:t>Requirements</a:t>
-            </a:r>
-            <a:endParaRPr/>
-          </a:p>
-        </p:txBody>
-      </p:sp>
-      <p:sp>
-        <p:nvSpPr>
-          <p:cNvPr id="403" name="Google Shape;403;p52"/>
-          <p:cNvSpPr txBox="1">
-            <a:spLocks noGrp="1"/>
-          </p:cNvSpPr>
-          <p:nvPr>
-            <p:ph type="body" idx="1"/>
-          </p:nvPr>
-        </p:nvSpPr>
-        <p:spPr>
-          <a:xfrm>
-            <a:off x="457200" y="1600200"/>
-            <a:ext cx="8229600" cy="4525963"/>
-          </a:xfrm>
-          <a:prstGeom prst="rect">
-            <a:avLst/>
-          </a:prstGeom>
-          <a:noFill/>
-          <a:ln>
-            <a:noFill/>
-          </a:ln>
-        </p:spPr>
-        <p:txBody>
-          <a:bodyPr spcFirstLastPara="1" wrap="square" lIns="91425" tIns="45700" rIns="91425" bIns="45700" anchor="t" anchorCtr="0">
-            <a:noAutofit/>
-          </a:bodyPr>
-          <a:lstStyle/>
-          <a:p>
-            <a:pPr marL="114300" lvl="0" indent="0" algn="just" rtl="0">
-              <a:lnSpc>
-                <a:spcPct val="100000"/>
-              </a:lnSpc>
-              <a:spcBef>
-                <a:spcPts val="360"/>
-              </a:spcBef>
-              <a:spcAft>
-                <a:spcPts val="0"/>
-              </a:spcAft>
-              <a:buSzPts val="1800"/>
-              <a:buNone/>
-            </a:pPr>
-            <a:r>
-              <a:rPr lang="en-US" sz="2400" b="1" dirty="0"/>
-              <a:t>Non-Functional Requirements:</a:t>
-            </a:r>
-            <a:endParaRPr dirty="0"/>
-          </a:p>
-          <a:p>
-            <a:pPr marL="457200" lvl="0" indent="-342900" algn="just" rtl="0">
-              <a:lnSpc>
-                <a:spcPct val="100000"/>
-              </a:lnSpc>
-              <a:spcBef>
-                <a:spcPts val="360"/>
-              </a:spcBef>
-              <a:spcAft>
-                <a:spcPts val="0"/>
-              </a:spcAft>
-              <a:buSzPts val="1800"/>
-              <a:buChar char="•"/>
-            </a:pPr>
-            <a:r>
-              <a:rPr lang="en-US" sz="2000" b="1" dirty="0"/>
-              <a:t>Fast Processing:</a:t>
-            </a:r>
-            <a:r>
-              <a:rPr lang="en-US" sz="2000" dirty="0"/>
-              <a:t> Detect tumors from MRI scans within 1 minute. </a:t>
-            </a:r>
-            <a:endParaRPr dirty="0"/>
-          </a:p>
-          <a:p>
-            <a:pPr marL="457200" lvl="0" indent="-342900" algn="just" rtl="0">
-              <a:lnSpc>
-                <a:spcPct val="100000"/>
-              </a:lnSpc>
-              <a:spcBef>
-                <a:spcPts val="360"/>
-              </a:spcBef>
-              <a:spcAft>
-                <a:spcPts val="0"/>
-              </a:spcAft>
-              <a:buSzPts val="1800"/>
-              <a:buChar char="•"/>
-            </a:pPr>
-            <a:r>
-              <a:rPr lang="en-US" sz="2000" b="1" dirty="0"/>
-              <a:t>High Performance:</a:t>
-            </a:r>
-            <a:r>
-              <a:rPr lang="en-US" sz="2000" dirty="0"/>
-              <a:t> Support 100+ users at once without lag or crashes.</a:t>
-            </a:r>
-            <a:endParaRPr dirty="0"/>
-          </a:p>
-          <a:p>
-            <a:pPr marL="457200" lvl="0" indent="-342900" algn="just" rtl="0">
-              <a:lnSpc>
-                <a:spcPct val="100000"/>
-              </a:lnSpc>
-              <a:spcBef>
-                <a:spcPts val="360"/>
-              </a:spcBef>
-              <a:spcAft>
-                <a:spcPts val="0"/>
-              </a:spcAft>
-              <a:buSzPts val="1800"/>
-              <a:buChar char="•"/>
-            </a:pPr>
-            <a:r>
-              <a:rPr lang="en-US" sz="2000" b="1" dirty="0"/>
-              <a:t>User-Friendly:</a:t>
-            </a:r>
-            <a:r>
-              <a:rPr lang="en-US" sz="2000" dirty="0"/>
-              <a:t> Simple interface usable without technical training.</a:t>
-            </a:r>
-            <a:endParaRPr dirty="0"/>
-          </a:p>
-          <a:p>
-            <a:pPr marL="457200" lvl="0" indent="-342900" algn="just" rtl="0">
-              <a:lnSpc>
-                <a:spcPct val="100000"/>
-              </a:lnSpc>
-              <a:spcBef>
-                <a:spcPts val="360"/>
-              </a:spcBef>
-              <a:spcAft>
-                <a:spcPts val="0"/>
-              </a:spcAft>
-              <a:buSzPts val="1800"/>
-              <a:buChar char="•"/>
-            </a:pPr>
-            <a:r>
-              <a:rPr lang="en-US" sz="2000" b="1" dirty="0"/>
-              <a:t>Auto Backup &amp; Recovery:</a:t>
-            </a:r>
-            <a:r>
-              <a:rPr lang="en-US" sz="2000" dirty="0"/>
-              <a:t> Daily backups with data recovery.</a:t>
-            </a:r>
-            <a:endParaRPr dirty="0"/>
-          </a:p>
-          <a:p>
-            <a:pPr marL="457200" lvl="0" indent="-342900" algn="just" rtl="0">
-              <a:lnSpc>
-                <a:spcPct val="100000"/>
-              </a:lnSpc>
-              <a:spcBef>
-                <a:spcPts val="360"/>
-              </a:spcBef>
-              <a:spcAft>
-                <a:spcPts val="0"/>
-              </a:spcAft>
-              <a:buSzPts val="1800"/>
-              <a:buChar char="•"/>
-            </a:pPr>
-            <a:r>
-              <a:rPr lang="en-US" sz="2000" b="1" dirty="0"/>
-              <a:t>Device Compatibility:</a:t>
-            </a:r>
-            <a:r>
-              <a:rPr lang="en-US" sz="2000" dirty="0"/>
-              <a:t> Works smoothly across mobiles, tablets, and desktops.</a:t>
-            </a:r>
-            <a:endParaRPr dirty="0"/>
-          </a:p>
-        </p:txBody>
-      </p:sp>
-      <p:sp>
-        <p:nvSpPr>
-          <p:cNvPr id="404" name="Google Shape;404;p52"/>
-          <p:cNvSpPr txBox="1">
-            <a:spLocks noGrp="1"/>
-          </p:cNvSpPr>
-          <p:nvPr>
-            <p:ph type="sldNum" idx="12"/>
-          </p:nvPr>
-        </p:nvSpPr>
-        <p:spPr>
-          <a:xfrm>
-            <a:off x="6553200" y="6356350"/>
-            <a:ext cx="2133600" cy="365125"/>
-          </a:xfrm>
-          <a:prstGeom prst="rect">
-            <a:avLst/>
-          </a:prstGeom>
-          <a:noFill/>
-          <a:ln>
-            <a:noFill/>
-          </a:ln>
-        </p:spPr>
-        <p:txBody>
-          <a:bodyPr spcFirstLastPara="1" wrap="square" lIns="91425" tIns="45700" rIns="91425" bIns="45700" anchor="ctr" anchorCtr="0">
-            <a:noAutofit/>
-          </a:bodyPr>
-          <a:lstStyle/>
-          <a:p>
-            <a:pPr marL="0" lvl="0" indent="0" algn="r" rtl="0">
-              <a:lnSpc>
-                <a:spcPct val="100000"/>
-              </a:lnSpc>
-              <a:spcBef>
-                <a:spcPts val="0"/>
-              </a:spcBef>
-              <a:spcAft>
-                <a:spcPts val="0"/>
-              </a:spcAft>
-              <a:buSzPts val="1200"/>
-              <a:buNone/>
-            </a:pPr>
-            <a:fld id="{00000000-1234-1234-1234-123412341234}" type="slidenum">
-              <a:rPr lang="en-US"/>
-              <a:t>38</a:t>
-            </a:fld>
-            <a:endParaRPr/>
-          </a:p>
-        </p:txBody>
-      </p:sp>
-    </p:spTree>
-  </p:cSld>
-  <p:clrMapOvr>
-    <a:masterClrMapping/>
-  </p:clrMapOvr>
-</p:sld>
-</file>
-
-<file path=ppt/slides/slide39.xml><?xml version="1.0" encoding="utf-8"?>
-<p:sld xmlns:a="http://schemas.openxmlformats.org/drawingml/2006/main" xmlns:r="http://schemas.openxmlformats.org/officeDocument/2006/relationships" xmlns:p="http://schemas.openxmlformats.org/presentationml/2006/main">
-  <p:cSld>
-    <p:spTree>
-      <p:nvGrpSpPr>
         <p:cNvPr id="1" name="Shape 415"/>
         <p:cNvGrpSpPr/>
         <p:nvPr/>
@@ -31917,7 +31394,7 @@
               <a:buNone/>
             </a:pPr>
             <a:r>
-              <a:rPr lang="en-US" sz="1800" b="1" i="0" u="none" strike="noStrike" cap="none">
+              <a:rPr lang="en-US" sz="1800" b="1" i="0" u="none" strike="noStrike" cap="none" dirty="0">
                 <a:solidFill>
                   <a:schemeClr val="dk1"/>
                 </a:solidFill>
@@ -31926,10 +31403,10 @@
                 <a:cs typeface="Arial"/>
                 <a:sym typeface="Arial"/>
               </a:rPr>
-              <a:t>Diagtam </a:t>
+              <a:t>Diagram </a:t>
             </a:r>
             <a:r>
-              <a:rPr lang="en-US" sz="1800" b="0" i="0" u="none" strike="noStrike" cap="none">
+              <a:rPr lang="en-US" sz="1800" b="0" i="0" u="none" strike="noStrike" cap="none" dirty="0">
                 <a:solidFill>
                   <a:schemeClr val="dk1"/>
                 </a:solidFill>
@@ -31940,7 +31417,7 @@
               </a:rPr>
               <a:t>-.System Architecture</a:t>
             </a:r>
-            <a:endParaRPr/>
+            <a:endParaRPr dirty="0"/>
           </a:p>
         </p:txBody>
       </p:sp>
@@ -31988,7 +31465,7 @@
             </a:pPr>
             <a:fld id="{00000000-1234-1234-1234-123412341234}" type="slidenum">
               <a:rPr lang="en-US"/>
-              <a:t>39</a:t>
+              <a:t>38</a:t>
             </a:fld>
             <a:endParaRPr/>
           </a:p>
@@ -32002,132 +31479,7 @@
 </p:sld>
 </file>
 
-<file path=ppt/slides/slide4.xml><?xml version="1.0" encoding="utf-8"?>
-<p:sld xmlns:a="http://schemas.openxmlformats.org/drawingml/2006/main" xmlns:r="http://schemas.openxmlformats.org/officeDocument/2006/relationships" xmlns:p="http://schemas.openxmlformats.org/presentationml/2006/main">
-  <p:cSld>
-    <p:spTree>
-      <p:nvGrpSpPr>
-        <p:cNvPr id="1" name="Shape 105"/>
-        <p:cNvGrpSpPr/>
-        <p:nvPr/>
-      </p:nvGrpSpPr>
-      <p:grpSpPr>
-        <a:xfrm>
-          <a:off x="0" y="0"/>
-          <a:ext cx="0" cy="0"/>
-          <a:chOff x="0" y="0"/>
-          <a:chExt cx="0" cy="0"/>
-        </a:xfrm>
-      </p:grpSpPr>
-      <p:sp>
-        <p:nvSpPr>
-          <p:cNvPr id="106" name="Google Shape;106;p16"/>
-          <p:cNvSpPr txBox="1">
-            <a:spLocks noGrp="1"/>
-          </p:cNvSpPr>
-          <p:nvPr>
-            <p:ph type="title"/>
-          </p:nvPr>
-        </p:nvSpPr>
-        <p:spPr>
-          <a:xfrm>
-            <a:off x="722313" y="4406900"/>
-            <a:ext cx="7772400" cy="1362075"/>
-          </a:xfrm>
-          <a:prstGeom prst="rect">
-            <a:avLst/>
-          </a:prstGeom>
-          <a:noFill/>
-          <a:ln>
-            <a:noFill/>
-          </a:ln>
-        </p:spPr>
-        <p:txBody>
-          <a:bodyPr spcFirstLastPara="1" wrap="square" lIns="91425" tIns="45700" rIns="91425" bIns="45700" anchor="t" anchorCtr="0">
-            <a:normAutofit/>
-          </a:bodyPr>
-          <a:lstStyle/>
-          <a:p>
-            <a:pPr marL="0" lvl="0" indent="0" algn="l" rtl="0">
-              <a:lnSpc>
-                <a:spcPct val="100000"/>
-              </a:lnSpc>
-              <a:spcBef>
-                <a:spcPts val="0"/>
-              </a:spcBef>
-              <a:spcAft>
-                <a:spcPts val="0"/>
-              </a:spcAft>
-              <a:buSzPts val="1400"/>
-              <a:buNone/>
-            </a:pPr>
-            <a:r>
-              <a:rPr lang="en-US"/>
-              <a:t>INTRODUCTION AND BACKGROUND </a:t>
-            </a:r>
-            <a:endParaRPr/>
-          </a:p>
-        </p:txBody>
-      </p:sp>
-      <p:sp>
-        <p:nvSpPr>
-          <p:cNvPr id="108" name="Google Shape;108;p16"/>
-          <p:cNvSpPr txBox="1">
-            <a:spLocks noGrp="1"/>
-          </p:cNvSpPr>
-          <p:nvPr>
-            <p:ph type="sldNum" idx="12"/>
-          </p:nvPr>
-        </p:nvSpPr>
-        <p:spPr>
-          <a:xfrm>
-            <a:off x="6553200" y="6356350"/>
-            <a:ext cx="2133600" cy="365125"/>
-          </a:xfrm>
-          <a:prstGeom prst="rect">
-            <a:avLst/>
-          </a:prstGeom>
-          <a:noFill/>
-          <a:ln>
-            <a:noFill/>
-          </a:ln>
-        </p:spPr>
-        <p:txBody>
-          <a:bodyPr spcFirstLastPara="1" wrap="square" lIns="91425" tIns="45700" rIns="91425" bIns="45700" anchor="ctr" anchorCtr="0">
-            <a:noAutofit/>
-          </a:bodyPr>
-          <a:lstStyle/>
-          <a:p>
-            <a:pPr marL="0" lvl="0" indent="0" algn="r" rtl="0">
-              <a:lnSpc>
-                <a:spcPct val="100000"/>
-              </a:lnSpc>
-              <a:spcBef>
-                <a:spcPts val="0"/>
-              </a:spcBef>
-              <a:spcAft>
-                <a:spcPts val="0"/>
-              </a:spcAft>
-              <a:buSzPts val="1200"/>
-              <a:buNone/>
-            </a:pPr>
-            <a:fld id="{00000000-1234-1234-1234-123412341234}" type="slidenum">
-              <a:rPr lang="en-US"/>
-              <a:t>4</a:t>
-            </a:fld>
-            <a:endParaRPr/>
-          </a:p>
-        </p:txBody>
-      </p:sp>
-    </p:spTree>
-  </p:cSld>
-  <p:clrMapOvr>
-    <a:masterClrMapping/>
-  </p:clrMapOvr>
-</p:sld>
-</file>
-
-<file path=ppt/slides/slide40.xml><?xml version="1.0" encoding="utf-8"?>
+<file path=ppt/slides/slide39.xml><?xml version="1.0" encoding="utf-8"?>
 <p:sld xmlns:a="http://schemas.openxmlformats.org/drawingml/2006/main" xmlns:r="http://schemas.openxmlformats.org/officeDocument/2006/relationships" xmlns:p="http://schemas.openxmlformats.org/presentationml/2006/main">
   <p:cSld>
     <p:spTree>
@@ -32357,7 +31709,7 @@
             </a:pPr>
             <a:fld id="{00000000-1234-1234-1234-123412341234}" type="slidenum">
               <a:rPr lang="en-US"/>
-              <a:t>40</a:t>
+              <a:t>39</a:t>
             </a:fld>
             <a:endParaRPr/>
           </a:p>
@@ -32371,7 +31723,132 @@
 </p:sld>
 </file>
 
-<file path=ppt/slides/slide41.xml><?xml version="1.0" encoding="utf-8"?>
+<file path=ppt/slides/slide4.xml><?xml version="1.0" encoding="utf-8"?>
+<p:sld xmlns:a="http://schemas.openxmlformats.org/drawingml/2006/main" xmlns:r="http://schemas.openxmlformats.org/officeDocument/2006/relationships" xmlns:p="http://schemas.openxmlformats.org/presentationml/2006/main">
+  <p:cSld>
+    <p:spTree>
+      <p:nvGrpSpPr>
+        <p:cNvPr id="1" name="Shape 105"/>
+        <p:cNvGrpSpPr/>
+        <p:nvPr/>
+      </p:nvGrpSpPr>
+      <p:grpSpPr>
+        <a:xfrm>
+          <a:off x="0" y="0"/>
+          <a:ext cx="0" cy="0"/>
+          <a:chOff x="0" y="0"/>
+          <a:chExt cx="0" cy="0"/>
+        </a:xfrm>
+      </p:grpSpPr>
+      <p:sp>
+        <p:nvSpPr>
+          <p:cNvPr id="106" name="Google Shape;106;p16"/>
+          <p:cNvSpPr txBox="1">
+            <a:spLocks noGrp="1"/>
+          </p:cNvSpPr>
+          <p:nvPr>
+            <p:ph type="title"/>
+          </p:nvPr>
+        </p:nvSpPr>
+        <p:spPr>
+          <a:xfrm>
+            <a:off x="722313" y="4406900"/>
+            <a:ext cx="7772400" cy="1362075"/>
+          </a:xfrm>
+          <a:prstGeom prst="rect">
+            <a:avLst/>
+          </a:prstGeom>
+          <a:noFill/>
+          <a:ln>
+            <a:noFill/>
+          </a:ln>
+        </p:spPr>
+        <p:txBody>
+          <a:bodyPr spcFirstLastPara="1" wrap="square" lIns="91425" tIns="45700" rIns="91425" bIns="45700" anchor="t" anchorCtr="0">
+            <a:normAutofit/>
+          </a:bodyPr>
+          <a:lstStyle/>
+          <a:p>
+            <a:pPr marL="0" lvl="0" indent="0" algn="l" rtl="0">
+              <a:lnSpc>
+                <a:spcPct val="100000"/>
+              </a:lnSpc>
+              <a:spcBef>
+                <a:spcPts val="0"/>
+              </a:spcBef>
+              <a:spcAft>
+                <a:spcPts val="0"/>
+              </a:spcAft>
+              <a:buSzPts val="1400"/>
+              <a:buNone/>
+            </a:pPr>
+            <a:r>
+              <a:rPr lang="en-US"/>
+              <a:t>INTRODUCTION AND BACKGROUND </a:t>
+            </a:r>
+            <a:endParaRPr/>
+          </a:p>
+        </p:txBody>
+      </p:sp>
+      <p:sp>
+        <p:nvSpPr>
+          <p:cNvPr id="108" name="Google Shape;108;p16"/>
+          <p:cNvSpPr txBox="1">
+            <a:spLocks noGrp="1"/>
+          </p:cNvSpPr>
+          <p:nvPr>
+            <p:ph type="sldNum" idx="12"/>
+          </p:nvPr>
+        </p:nvSpPr>
+        <p:spPr>
+          <a:xfrm>
+            <a:off x="6553200" y="6356350"/>
+            <a:ext cx="2133600" cy="365125"/>
+          </a:xfrm>
+          <a:prstGeom prst="rect">
+            <a:avLst/>
+          </a:prstGeom>
+          <a:noFill/>
+          <a:ln>
+            <a:noFill/>
+          </a:ln>
+        </p:spPr>
+        <p:txBody>
+          <a:bodyPr spcFirstLastPara="1" wrap="square" lIns="91425" tIns="45700" rIns="91425" bIns="45700" anchor="ctr" anchorCtr="0">
+            <a:noAutofit/>
+          </a:bodyPr>
+          <a:lstStyle/>
+          <a:p>
+            <a:pPr marL="0" lvl="0" indent="0" algn="r" rtl="0">
+              <a:lnSpc>
+                <a:spcPct val="100000"/>
+              </a:lnSpc>
+              <a:spcBef>
+                <a:spcPts val="0"/>
+              </a:spcBef>
+              <a:spcAft>
+                <a:spcPts val="0"/>
+              </a:spcAft>
+              <a:buSzPts val="1200"/>
+              <a:buNone/>
+            </a:pPr>
+            <a:fld id="{00000000-1234-1234-1234-123412341234}" type="slidenum">
+              <a:rPr lang="en-US"/>
+              <a:t>4</a:t>
+            </a:fld>
+            <a:endParaRPr/>
+          </a:p>
+        </p:txBody>
+      </p:sp>
+    </p:spTree>
+  </p:cSld>
+  <p:clrMapOvr>
+    <a:masterClrMapping/>
+  </p:clrMapOvr>
+</p:sld>
+</file>
+
+<file path=ppt/slides/slide40.xml><?xml version="1.0" encoding="utf-8"?>
 <p:sld xmlns:a="http://schemas.openxmlformats.org/drawingml/2006/main" xmlns:r="http://schemas.openxmlformats.org/officeDocument/2006/relationships" xmlns:p="http://schemas.openxmlformats.org/presentationml/2006/main">
   <p:cSld>
     <p:spTree>
@@ -32680,7 +32157,7 @@
             </a:pPr>
             <a:fld id="{00000000-1234-1234-1234-123412341234}" type="slidenum">
               <a:rPr lang="en-US"/>
-              <a:t>41</a:t>
+              <a:t>40</a:t>
             </a:fld>
             <a:endParaRPr/>
           </a:p>
@@ -32694,7 +32171,7 @@
 </p:sld>
 </file>
 
-<file path=ppt/slides/slide42.xml><?xml version="1.0" encoding="utf-8"?>
+<file path=ppt/slides/slide41.xml><?xml version="1.0" encoding="utf-8"?>
 <p:sld xmlns:a="http://schemas.openxmlformats.org/drawingml/2006/main" xmlns:r="http://schemas.openxmlformats.org/officeDocument/2006/relationships" xmlns:p="http://schemas.openxmlformats.org/presentationml/2006/main">
   <p:cSld>
     <p:spTree>
@@ -33042,7 +32519,7 @@
             </a:pPr>
             <a:fld id="{00000000-1234-1234-1234-123412341234}" type="slidenum">
               <a:rPr lang="en-US"/>
-              <a:t>42</a:t>
+              <a:t>41</a:t>
             </a:fld>
             <a:endParaRPr/>
           </a:p>
@@ -33056,7 +32533,7 @@
 </p:sld>
 </file>
 
-<file path=ppt/slides/slide43.xml><?xml version="1.0" encoding="utf-8"?>
+<file path=ppt/slides/slide42.xml><?xml version="1.0" encoding="utf-8"?>
 <p:sld xmlns:a="http://schemas.openxmlformats.org/drawingml/2006/main" xmlns:r="http://schemas.openxmlformats.org/officeDocument/2006/relationships" xmlns:p="http://schemas.openxmlformats.org/presentationml/2006/main">
   <p:cSld>
     <p:spTree>
@@ -33337,7 +32814,7 @@
             </a:pPr>
             <a:fld id="{00000000-1234-1234-1234-123412341234}" type="slidenum">
               <a:rPr lang="en-US"/>
-              <a:t>43</a:t>
+              <a:t>42</a:t>
             </a:fld>
             <a:endParaRPr/>
           </a:p>
@@ -33351,7 +32828,7 @@
 </p:sld>
 </file>
 
-<file path=ppt/slides/slide44.xml><?xml version="1.0" encoding="utf-8"?>
+<file path=ppt/slides/slide43.xml><?xml version="1.0" encoding="utf-8"?>
 <p:sld xmlns:a="http://schemas.openxmlformats.org/drawingml/2006/main" xmlns:r="http://schemas.openxmlformats.org/officeDocument/2006/relationships" xmlns:p="http://schemas.openxmlformats.org/presentationml/2006/main">
   <p:cSld>
     <p:spTree>
@@ -33807,7 +33284,7 @@
             </a:pPr>
             <a:fld id="{00000000-1234-1234-1234-123412341234}" type="slidenum">
               <a:rPr lang="en-US"/>
-              <a:t>44</a:t>
+              <a:t>43</a:t>
             </a:fld>
             <a:endParaRPr/>
           </a:p>
@@ -33821,7 +33298,7 @@
 </p:sld>
 </file>
 
-<file path=ppt/slides/slide45.xml><?xml version="1.0" encoding="utf-8"?>
+<file path=ppt/slides/slide44.xml><?xml version="1.0" encoding="utf-8"?>
 <p:sld xmlns:a="http://schemas.openxmlformats.org/drawingml/2006/main" xmlns:r="http://schemas.openxmlformats.org/officeDocument/2006/relationships" xmlns:p="http://schemas.openxmlformats.org/presentationml/2006/main">
   <p:cSld>
     <p:spTree>
@@ -33938,7 +33415,7 @@
             </a:pPr>
             <a:fld id="{00000000-1234-1234-1234-123412341234}" type="slidenum">
               <a:rPr lang="en-US"/>
-              <a:t>45</a:t>
+              <a:t>44</a:t>
             </a:fld>
             <a:endParaRPr/>
           </a:p>
@@ -36292,7 +35769,7 @@
 </p:sld>
 </file>
 
-<file path=ppt/slides/slide46.xml><?xml version="1.0" encoding="utf-8"?>
+<file path=ppt/slides/slide45.xml><?xml version="1.0" encoding="utf-8"?>
 <p:sld xmlns:a="http://schemas.openxmlformats.org/drawingml/2006/main" xmlns:r="http://schemas.openxmlformats.org/officeDocument/2006/relationships" xmlns:p="http://schemas.openxmlformats.org/presentationml/2006/main">
   <p:cSld>
     <p:spTree>
@@ -36391,7 +35868,7 @@
             </a:pPr>
             <a:fld id="{00000000-1234-1234-1234-123412341234}" type="slidenum">
               <a:rPr lang="en-US"/>
-              <a:t>46</a:t>
+              <a:t>45</a:t>
             </a:fld>
             <a:endParaRPr/>
           </a:p>
@@ -36435,7 +35912,7 @@
 </p:sld>
 </file>
 
-<file path=ppt/slides/slide47.xml><?xml version="1.0" encoding="utf-8"?>
+<file path=ppt/slides/slide46.xml><?xml version="1.0" encoding="utf-8"?>
 <p:sld xmlns:a="http://schemas.openxmlformats.org/drawingml/2006/main" xmlns:r="http://schemas.openxmlformats.org/officeDocument/2006/relationships" xmlns:p="http://schemas.openxmlformats.org/presentationml/2006/main">
   <p:cSld>
     <p:spTree>
@@ -36518,7 +35995,7 @@
             </a:pPr>
             <a:fld id="{00000000-1234-1234-1234-123412341234}" type="slidenum">
               <a:rPr lang="en-US" smtClean="0"/>
-              <a:t>47</a:t>
+              <a:t>46</a:t>
             </a:fld>
             <a:endParaRPr lang="en-US"/>
           </a:p>
@@ -36567,7 +36044,7 @@
 </p:sld>
 </file>
 
-<file path=ppt/slides/slide48.xml><?xml version="1.0" encoding="utf-8"?>
+<file path=ppt/slides/slide47.xml><?xml version="1.0" encoding="utf-8"?>
 <p:sld xmlns:a="http://schemas.openxmlformats.org/drawingml/2006/main" xmlns:r="http://schemas.openxmlformats.org/officeDocument/2006/relationships" xmlns:p="http://schemas.openxmlformats.org/presentationml/2006/main">
   <p:cSld>
     <p:spTree>
@@ -36678,7 +36155,7 @@
             </a:pPr>
             <a:fld id="{00000000-1234-1234-1234-123412341234}" type="slidenum">
               <a:rPr lang="en-US"/>
-              <a:t>48</a:t>
+              <a:t>47</a:t>
             </a:fld>
             <a:endParaRPr/>
           </a:p>
@@ -36692,7 +36169,7 @@
 </p:sld>
 </file>
 
-<file path=ppt/slides/slide49.xml><?xml version="1.0" encoding="utf-8"?>
+<file path=ppt/slides/slide48.xml><?xml version="1.0" encoding="utf-8"?>
 <p:sld xmlns:a="http://schemas.openxmlformats.org/drawingml/2006/main" xmlns:r="http://schemas.openxmlformats.org/officeDocument/2006/relationships" xmlns:p="http://schemas.openxmlformats.org/presentationml/2006/main">
   <p:cSld>
     <p:spTree>
@@ -38369,31 +37846,25 @@
       </p:graphicFrame>
       <p:sp>
         <p:nvSpPr>
-          <p:cNvPr id="492" name="Google Shape;492;p63"/>
-          <p:cNvSpPr/>
-          <p:nvPr/>
+          <p:cNvPr id="493" name="Google Shape;493;p63"/>
+          <p:cNvSpPr txBox="1">
+            <a:spLocks noGrp="1"/>
+          </p:cNvSpPr>
+          <p:nvPr>
+            <p:ph type="sldNum" idx="12"/>
+          </p:nvPr>
         </p:nvSpPr>
         <p:spPr>
           <a:xfrm>
-            <a:off x="990600" y="1240971"/>
-            <a:ext cx="2481943" cy="359229"/>
+            <a:off x="6553200" y="6356350"/>
+            <a:ext cx="2133600" cy="365125"/>
           </a:xfrm>
-          <a:prstGeom prst="roundRect">
-            <a:avLst>
-              <a:gd name="adj" fmla="val 16667"/>
-            </a:avLst>
+          <a:prstGeom prst="rect">
+            <a:avLst/>
           </a:prstGeom>
-          <a:solidFill>
-            <a:schemeClr val="lt1"/>
-          </a:solidFill>
-          <a:ln w="25400" cap="flat" cmpd="sng">
-            <a:solidFill>
-              <a:schemeClr val="accent6"/>
-            </a:solidFill>
-            <a:prstDash val="solid"/>
-            <a:round/>
-            <a:headEnd type="none" w="sm" len="sm"/>
-            <a:tailEnd type="none" w="sm" len="sm"/>
+          <a:noFill/>
+          <a:ln>
+            <a:noFill/>
           </a:ln>
         </p:spPr>
         <p:txBody>
@@ -38402,29 +37873,97 @@
           </a:bodyPr>
           <a:lstStyle/>
           <a:p>
-            <a:pPr marL="0" marR="0" lvl="0" indent="0" algn="ctr" rtl="0">
-              <a:lnSpc>
-                <a:spcPct val="100000"/>
-              </a:lnSpc>
-              <a:spcBef>
-                <a:spcPts val="0"/>
-              </a:spcBef>
-              <a:spcAft>
-                <a:spcPts val="0"/>
-              </a:spcAft>
+            <a:pPr marL="0" lvl="0" indent="0" algn="r" rtl="0">
+              <a:lnSpc>
+                <a:spcPct val="100000"/>
+              </a:lnSpc>
+              <a:spcBef>
+                <a:spcPts val="0"/>
+              </a:spcBef>
+              <a:spcAft>
+                <a:spcPts val="0"/>
+              </a:spcAft>
+              <a:buSzPts val="1200"/>
+              <a:buNone/>
+            </a:pPr>
+            <a:fld id="{00000000-1234-1234-1234-123412341234}" type="slidenum">
+              <a:rPr lang="en-US"/>
+              <a:t>48</a:t>
+            </a:fld>
+            <a:endParaRPr/>
+          </a:p>
+        </p:txBody>
+      </p:sp>
+    </p:spTree>
+  </p:cSld>
+  <p:clrMapOvr>
+    <a:masterClrMapping/>
+  </p:clrMapOvr>
+</p:sld>
+</file>
+
+<file path=ppt/slides/slide49.xml><?xml version="1.0" encoding="utf-8"?>
+<p:sld xmlns:a="http://schemas.openxmlformats.org/drawingml/2006/main" xmlns:r="http://schemas.openxmlformats.org/officeDocument/2006/relationships" xmlns:p="http://schemas.openxmlformats.org/presentationml/2006/main">
+  <p:cSld>
+    <p:spTree>
+      <p:nvGrpSpPr>
+        <p:cNvPr id="1" name="Shape 497"/>
+        <p:cNvGrpSpPr/>
+        <p:nvPr/>
+      </p:nvGrpSpPr>
+      <p:grpSpPr>
+        <a:xfrm>
+          <a:off x="0" y="0"/>
+          <a:ext cx="0" cy="0"/>
+          <a:chOff x="0" y="0"/>
+          <a:chExt cx="0" cy="0"/>
+        </a:xfrm>
+      </p:grpSpPr>
+      <p:sp>
+        <p:nvSpPr>
+          <p:cNvPr id="498" name="Google Shape;498;p64"/>
+          <p:cNvSpPr txBox="1">
+            <a:spLocks noGrp="1"/>
+          </p:cNvSpPr>
+          <p:nvPr>
+            <p:ph type="title"/>
+          </p:nvPr>
+        </p:nvSpPr>
+        <p:spPr>
+          <a:xfrm>
+            <a:off x="722313" y="4406900"/>
+            <a:ext cx="7772400" cy="1362075"/>
+          </a:xfrm>
+          <a:prstGeom prst="rect">
+            <a:avLst/>
+          </a:prstGeom>
+          <a:noFill/>
+          <a:ln>
+            <a:noFill/>
+          </a:ln>
+        </p:spPr>
+        <p:txBody>
+          <a:bodyPr spcFirstLastPara="1" wrap="square" lIns="91425" tIns="45700" rIns="91425" bIns="45700" anchor="t" anchorCtr="0">
+            <a:normAutofit/>
+          </a:bodyPr>
+          <a:lstStyle/>
+          <a:p>
+            <a:pPr marL="0" lvl="0" indent="0" algn="l" rtl="0">
+              <a:lnSpc>
+                <a:spcPct val="100000"/>
+              </a:lnSpc>
+              <a:spcBef>
+                <a:spcPts val="0"/>
+              </a:spcBef>
+              <a:spcAft>
+                <a:spcPts val="0"/>
+              </a:spcAft>
+              <a:buSzPts val="1400"/>
               <a:buNone/>
             </a:pPr>
             <a:r>
-              <a:rPr lang="en-US" sz="1400" b="1" i="0" u="none" strike="noStrike" cap="none">
-                <a:solidFill>
-                  <a:schemeClr val="dk1"/>
-                </a:solidFill>
-                <a:latin typeface="Arial"/>
-                <a:ea typeface="Arial"/>
-                <a:cs typeface="Arial"/>
-                <a:sym typeface="Arial"/>
-              </a:rPr>
-              <a:t>Table -</a:t>
+              <a:rPr lang="en-US"/>
+              <a:t>NEXT STEPS</a:t>
             </a:r>
             <a:endParaRPr/>
           </a:p>
@@ -38432,7 +37971,7 @@
       </p:sp>
       <p:sp>
         <p:nvSpPr>
-          <p:cNvPr id="493" name="Google Shape;493;p63"/>
+          <p:cNvPr id="500" name="Google Shape;500;p64"/>
           <p:cNvSpPr txBox="1">
             <a:spLocks noGrp="1"/>
           </p:cNvSpPr>
@@ -38867,710 +38406,6 @@
   <p:cSld>
     <p:spTree>
       <p:nvGrpSpPr>
-        <p:cNvPr id="1" name="Shape 497"/>
-        <p:cNvGrpSpPr/>
-        <p:nvPr/>
-      </p:nvGrpSpPr>
-      <p:grpSpPr>
-        <a:xfrm>
-          <a:off x="0" y="0"/>
-          <a:ext cx="0" cy="0"/>
-          <a:chOff x="0" y="0"/>
-          <a:chExt cx="0" cy="0"/>
-        </a:xfrm>
-      </p:grpSpPr>
-      <p:sp>
-        <p:nvSpPr>
-          <p:cNvPr id="498" name="Google Shape;498;p64"/>
-          <p:cNvSpPr txBox="1">
-            <a:spLocks noGrp="1"/>
-          </p:cNvSpPr>
-          <p:nvPr>
-            <p:ph type="title"/>
-          </p:nvPr>
-        </p:nvSpPr>
-        <p:spPr>
-          <a:xfrm>
-            <a:off x="722313" y="4406900"/>
-            <a:ext cx="7772400" cy="1362075"/>
-          </a:xfrm>
-          <a:prstGeom prst="rect">
-            <a:avLst/>
-          </a:prstGeom>
-          <a:noFill/>
-          <a:ln>
-            <a:noFill/>
-          </a:ln>
-        </p:spPr>
-        <p:txBody>
-          <a:bodyPr spcFirstLastPara="1" wrap="square" lIns="91425" tIns="45700" rIns="91425" bIns="45700" anchor="t" anchorCtr="0">
-            <a:normAutofit/>
-          </a:bodyPr>
-          <a:lstStyle/>
-          <a:p>
-            <a:pPr marL="0" lvl="0" indent="0" algn="l" rtl="0">
-              <a:lnSpc>
-                <a:spcPct val="100000"/>
-              </a:lnSpc>
-              <a:spcBef>
-                <a:spcPts val="0"/>
-              </a:spcBef>
-              <a:spcAft>
-                <a:spcPts val="0"/>
-              </a:spcAft>
-              <a:buSzPts val="1400"/>
-              <a:buNone/>
-            </a:pPr>
-            <a:r>
-              <a:rPr lang="en-US"/>
-              <a:t>NEXT STEPS</a:t>
-            </a:r>
-            <a:endParaRPr/>
-          </a:p>
-        </p:txBody>
-      </p:sp>
-      <p:sp>
-        <p:nvSpPr>
-          <p:cNvPr id="500" name="Google Shape;500;p64"/>
-          <p:cNvSpPr txBox="1">
-            <a:spLocks noGrp="1"/>
-          </p:cNvSpPr>
-          <p:nvPr>
-            <p:ph type="sldNum" idx="12"/>
-          </p:nvPr>
-        </p:nvSpPr>
-        <p:spPr>
-          <a:xfrm>
-            <a:off x="6553200" y="6356350"/>
-            <a:ext cx="2133600" cy="365125"/>
-          </a:xfrm>
-          <a:prstGeom prst="rect">
-            <a:avLst/>
-          </a:prstGeom>
-          <a:noFill/>
-          <a:ln>
-            <a:noFill/>
-          </a:ln>
-        </p:spPr>
-        <p:txBody>
-          <a:bodyPr spcFirstLastPara="1" wrap="square" lIns="91425" tIns="45700" rIns="91425" bIns="45700" anchor="ctr" anchorCtr="0">
-            <a:noAutofit/>
-          </a:bodyPr>
-          <a:lstStyle/>
-          <a:p>
-            <a:pPr marL="0" lvl="0" indent="0" algn="r" rtl="0">
-              <a:lnSpc>
-                <a:spcPct val="100000"/>
-              </a:lnSpc>
-              <a:spcBef>
-                <a:spcPts val="0"/>
-              </a:spcBef>
-              <a:spcAft>
-                <a:spcPts val="0"/>
-              </a:spcAft>
-              <a:buSzPts val="1200"/>
-              <a:buNone/>
-            </a:pPr>
-            <a:fld id="{00000000-1234-1234-1234-123412341234}" type="slidenum">
-              <a:rPr lang="en-US"/>
-              <a:t>50</a:t>
-            </a:fld>
-            <a:endParaRPr/>
-          </a:p>
-        </p:txBody>
-      </p:sp>
-    </p:spTree>
-  </p:cSld>
-  <p:clrMapOvr>
-    <a:masterClrMapping/>
-  </p:clrMapOvr>
-</p:sld>
-</file>
-
-<file path=ppt/slides/slide51.xml><?xml version="1.0" encoding="utf-8"?>
-<p:sld xmlns:a="http://schemas.openxmlformats.org/drawingml/2006/main" xmlns:r="http://schemas.openxmlformats.org/officeDocument/2006/relationships" xmlns:p="http://schemas.openxmlformats.org/presentationml/2006/main">
-  <p:cSld>
-    <p:spTree>
-      <p:nvGrpSpPr>
-        <p:cNvPr id="1" name="Shape 504"/>
-        <p:cNvGrpSpPr/>
-        <p:nvPr/>
-      </p:nvGrpSpPr>
-      <p:grpSpPr>
-        <a:xfrm>
-          <a:off x="0" y="0"/>
-          <a:ext cx="0" cy="0"/>
-          <a:chOff x="0" y="0"/>
-          <a:chExt cx="0" cy="0"/>
-        </a:xfrm>
-      </p:grpSpPr>
-      <p:sp>
-        <p:nvSpPr>
-          <p:cNvPr id="505" name="Google Shape;505;p65"/>
-          <p:cNvSpPr txBox="1">
-            <a:spLocks noGrp="1"/>
-          </p:cNvSpPr>
-          <p:nvPr>
-            <p:ph type="title"/>
-          </p:nvPr>
-        </p:nvSpPr>
-        <p:spPr>
-          <a:xfrm>
-            <a:off x="457200" y="274638"/>
-            <a:ext cx="8229600" cy="1143000"/>
-          </a:xfrm>
-          <a:prstGeom prst="rect">
-            <a:avLst/>
-          </a:prstGeom>
-          <a:noFill/>
-          <a:ln>
-            <a:noFill/>
-          </a:ln>
-        </p:spPr>
-        <p:txBody>
-          <a:bodyPr spcFirstLastPara="1" wrap="square" lIns="91425" tIns="45700" rIns="91425" bIns="45700" anchor="ctr" anchorCtr="0">
-            <a:noAutofit/>
-          </a:bodyPr>
-          <a:lstStyle/>
-          <a:p>
-            <a:pPr marL="0" lvl="0" indent="0" algn="ctr" rtl="0">
-              <a:lnSpc>
-                <a:spcPct val="100000"/>
-              </a:lnSpc>
-              <a:spcBef>
-                <a:spcPts val="0"/>
-              </a:spcBef>
-              <a:spcAft>
-                <a:spcPts val="0"/>
-              </a:spcAft>
-              <a:buSzPts val="1400"/>
-              <a:buNone/>
-            </a:pPr>
-            <a:r>
-              <a:rPr lang="en-US"/>
-              <a:t>Work Breakdown Structure</a:t>
-            </a:r>
-            <a:br>
-              <a:rPr lang="en-US"/>
-            </a:br>
-            <a:r>
-              <a:rPr lang="en-US" sz="1400"/>
-              <a:t>(List of all Deliverables / Strikethrough Completed Deliverables)</a:t>
-            </a:r>
-            <a:endParaRPr/>
-          </a:p>
-        </p:txBody>
-      </p:sp>
-      <p:sp>
-        <p:nvSpPr>
-          <p:cNvPr id="506" name="Google Shape;506;p65"/>
-          <p:cNvSpPr txBox="1">
-            <a:spLocks noGrp="1"/>
-          </p:cNvSpPr>
-          <p:nvPr>
-            <p:ph type="body" idx="1"/>
-          </p:nvPr>
-        </p:nvSpPr>
-        <p:spPr>
-          <a:xfrm>
-            <a:off x="457200" y="1600200"/>
-            <a:ext cx="4038600" cy="4525963"/>
-          </a:xfrm>
-          <a:prstGeom prst="rect">
-            <a:avLst/>
-          </a:prstGeom>
-          <a:noFill/>
-          <a:ln>
-            <a:noFill/>
-          </a:ln>
-        </p:spPr>
-        <p:txBody>
-          <a:bodyPr spcFirstLastPara="1" wrap="square" lIns="91425" tIns="45700" rIns="91425" bIns="45700" anchor="t" anchorCtr="0">
-            <a:noAutofit/>
-          </a:bodyPr>
-          <a:lstStyle/>
-          <a:p>
-            <a:pPr marL="342900" lvl="0" indent="-342900" algn="l" rtl="0">
-              <a:lnSpc>
-                <a:spcPct val="100000"/>
-              </a:lnSpc>
-              <a:spcBef>
-                <a:spcPts val="0"/>
-              </a:spcBef>
-              <a:spcAft>
-                <a:spcPts val="0"/>
-              </a:spcAft>
-              <a:buClr>
-                <a:schemeClr val="dk1"/>
-              </a:buClr>
-              <a:buSzPts val="2400"/>
-              <a:buChar char="•"/>
-            </a:pPr>
-            <a:r>
-              <a:rPr lang="en-US" sz="2400"/>
-              <a:t>Major Deliverable 1</a:t>
-            </a:r>
-            <a:endParaRPr/>
-          </a:p>
-          <a:p>
-            <a:pPr marL="742950" lvl="1" indent="-285750" algn="l" rtl="0">
-              <a:lnSpc>
-                <a:spcPct val="100000"/>
-              </a:lnSpc>
-              <a:spcBef>
-                <a:spcPts val="400"/>
-              </a:spcBef>
-              <a:spcAft>
-                <a:spcPts val="0"/>
-              </a:spcAft>
-              <a:buClr>
-                <a:schemeClr val="dk1"/>
-              </a:buClr>
-              <a:buSzPts val="2000"/>
-              <a:buChar char="–"/>
-            </a:pPr>
-            <a:r>
-              <a:rPr lang="en-US" sz="2000" strike="sngStrike"/>
-              <a:t>Sub Deliverable 1 of 1</a:t>
-            </a:r>
-            <a:endParaRPr/>
-          </a:p>
-          <a:p>
-            <a:pPr marL="742950" lvl="1" indent="-285750" algn="l" rtl="0">
-              <a:lnSpc>
-                <a:spcPct val="100000"/>
-              </a:lnSpc>
-              <a:spcBef>
-                <a:spcPts val="400"/>
-              </a:spcBef>
-              <a:spcAft>
-                <a:spcPts val="0"/>
-              </a:spcAft>
-              <a:buClr>
-                <a:schemeClr val="dk1"/>
-              </a:buClr>
-              <a:buSzPts val="2000"/>
-              <a:buChar char="–"/>
-            </a:pPr>
-            <a:r>
-              <a:rPr lang="en-US" sz="2000"/>
-              <a:t>Sub Deliverable 2 of 1</a:t>
-            </a:r>
-            <a:endParaRPr/>
-          </a:p>
-          <a:p>
-            <a:pPr marL="742950" lvl="1" indent="-285750" algn="l" rtl="0">
-              <a:lnSpc>
-                <a:spcPct val="100000"/>
-              </a:lnSpc>
-              <a:spcBef>
-                <a:spcPts val="400"/>
-              </a:spcBef>
-              <a:spcAft>
-                <a:spcPts val="0"/>
-              </a:spcAft>
-              <a:buClr>
-                <a:schemeClr val="dk1"/>
-              </a:buClr>
-              <a:buSzPts val="2000"/>
-              <a:buChar char="–"/>
-            </a:pPr>
-            <a:r>
-              <a:rPr lang="en-US" sz="2000"/>
-              <a:t>Sub Deliverable 3 of 1</a:t>
-            </a:r>
-            <a:endParaRPr/>
-          </a:p>
-          <a:p>
-            <a:pPr marL="742950" lvl="1" indent="-285750" algn="l" rtl="0">
-              <a:lnSpc>
-                <a:spcPct val="100000"/>
-              </a:lnSpc>
-              <a:spcBef>
-                <a:spcPts val="400"/>
-              </a:spcBef>
-              <a:spcAft>
-                <a:spcPts val="0"/>
-              </a:spcAft>
-              <a:buClr>
-                <a:schemeClr val="dk1"/>
-              </a:buClr>
-              <a:buSzPts val="2000"/>
-              <a:buChar char="–"/>
-            </a:pPr>
-            <a:r>
-              <a:rPr lang="en-US" sz="2000"/>
-              <a:t>. . .</a:t>
-            </a:r>
-            <a:endParaRPr/>
-          </a:p>
-          <a:p>
-            <a:pPr marL="342900" lvl="0" indent="-342900" algn="l" rtl="0">
-              <a:lnSpc>
-                <a:spcPct val="100000"/>
-              </a:lnSpc>
-              <a:spcBef>
-                <a:spcPts val="480"/>
-              </a:spcBef>
-              <a:spcAft>
-                <a:spcPts val="0"/>
-              </a:spcAft>
-              <a:buClr>
-                <a:schemeClr val="dk1"/>
-              </a:buClr>
-              <a:buSzPts val="2400"/>
-              <a:buChar char="•"/>
-            </a:pPr>
-            <a:r>
-              <a:rPr lang="en-US" sz="2400"/>
-              <a:t>Major Deliverable 2</a:t>
-            </a:r>
-            <a:endParaRPr/>
-          </a:p>
-          <a:p>
-            <a:pPr marL="742950" lvl="1" indent="-285750" algn="l" rtl="0">
-              <a:lnSpc>
-                <a:spcPct val="100000"/>
-              </a:lnSpc>
-              <a:spcBef>
-                <a:spcPts val="400"/>
-              </a:spcBef>
-              <a:spcAft>
-                <a:spcPts val="0"/>
-              </a:spcAft>
-              <a:buClr>
-                <a:schemeClr val="dk1"/>
-              </a:buClr>
-              <a:buSzPts val="2000"/>
-              <a:buChar char="–"/>
-            </a:pPr>
-            <a:r>
-              <a:rPr lang="en-US" sz="2000"/>
-              <a:t>Sub Deliverable 1 of 2</a:t>
-            </a:r>
-            <a:endParaRPr/>
-          </a:p>
-          <a:p>
-            <a:pPr marL="742950" lvl="1" indent="-285750" algn="l" rtl="0">
-              <a:lnSpc>
-                <a:spcPct val="100000"/>
-              </a:lnSpc>
-              <a:spcBef>
-                <a:spcPts val="400"/>
-              </a:spcBef>
-              <a:spcAft>
-                <a:spcPts val="0"/>
-              </a:spcAft>
-              <a:buClr>
-                <a:schemeClr val="dk1"/>
-              </a:buClr>
-              <a:buSzPts val="2000"/>
-              <a:buChar char="–"/>
-            </a:pPr>
-            <a:r>
-              <a:rPr lang="en-US" sz="2000"/>
-              <a:t>Sub Deliverable 2 of 2</a:t>
-            </a:r>
-            <a:endParaRPr/>
-          </a:p>
-          <a:p>
-            <a:pPr marL="742950" lvl="1" indent="-285750" algn="l" rtl="0">
-              <a:lnSpc>
-                <a:spcPct val="100000"/>
-              </a:lnSpc>
-              <a:spcBef>
-                <a:spcPts val="400"/>
-              </a:spcBef>
-              <a:spcAft>
-                <a:spcPts val="0"/>
-              </a:spcAft>
-              <a:buClr>
-                <a:schemeClr val="dk1"/>
-              </a:buClr>
-              <a:buSzPts val="2000"/>
-              <a:buChar char="–"/>
-            </a:pPr>
-            <a:r>
-              <a:rPr lang="en-US" sz="2000"/>
-              <a:t>. . .</a:t>
-            </a:r>
-            <a:endParaRPr/>
-          </a:p>
-          <a:p>
-            <a:pPr marL="342900" lvl="0" indent="-165100" algn="l" rtl="0">
-              <a:lnSpc>
-                <a:spcPct val="100000"/>
-              </a:lnSpc>
-              <a:spcBef>
-                <a:spcPts val="560"/>
-              </a:spcBef>
-              <a:spcAft>
-                <a:spcPts val="0"/>
-              </a:spcAft>
-              <a:buClr>
-                <a:schemeClr val="dk1"/>
-              </a:buClr>
-              <a:buSzPts val="2800"/>
-              <a:buNone/>
-            </a:pPr>
-            <a:endParaRPr/>
-          </a:p>
-        </p:txBody>
-      </p:sp>
-      <p:sp>
-        <p:nvSpPr>
-          <p:cNvPr id="507" name="Google Shape;507;p65"/>
-          <p:cNvSpPr txBox="1">
-            <a:spLocks noGrp="1"/>
-          </p:cNvSpPr>
-          <p:nvPr>
-            <p:ph type="body" idx="2"/>
-          </p:nvPr>
-        </p:nvSpPr>
-        <p:spPr>
-          <a:xfrm>
-            <a:off x="4648200" y="1600200"/>
-            <a:ext cx="4038600" cy="4525963"/>
-          </a:xfrm>
-          <a:prstGeom prst="rect">
-            <a:avLst/>
-          </a:prstGeom>
-          <a:noFill/>
-          <a:ln>
-            <a:noFill/>
-          </a:ln>
-        </p:spPr>
-        <p:txBody>
-          <a:bodyPr spcFirstLastPara="1" wrap="square" lIns="91425" tIns="45700" rIns="91425" bIns="45700" anchor="t" anchorCtr="0">
-            <a:noAutofit/>
-          </a:bodyPr>
-          <a:lstStyle/>
-          <a:p>
-            <a:pPr marL="342900" lvl="0" indent="-342900" algn="l" rtl="0">
-              <a:lnSpc>
-                <a:spcPct val="100000"/>
-              </a:lnSpc>
-              <a:spcBef>
-                <a:spcPts val="0"/>
-              </a:spcBef>
-              <a:spcAft>
-                <a:spcPts val="0"/>
-              </a:spcAft>
-              <a:buClr>
-                <a:schemeClr val="dk1"/>
-              </a:buClr>
-              <a:buSzPts val="2400"/>
-              <a:buChar char="•"/>
-            </a:pPr>
-            <a:r>
-              <a:rPr lang="en-US" sz="2400"/>
-              <a:t>Major Deliverable 3</a:t>
-            </a:r>
-            <a:endParaRPr/>
-          </a:p>
-          <a:p>
-            <a:pPr marL="742950" lvl="1" indent="-285750" algn="l" rtl="0">
-              <a:lnSpc>
-                <a:spcPct val="100000"/>
-              </a:lnSpc>
-              <a:spcBef>
-                <a:spcPts val="400"/>
-              </a:spcBef>
-              <a:spcAft>
-                <a:spcPts val="0"/>
-              </a:spcAft>
-              <a:buClr>
-                <a:schemeClr val="dk1"/>
-              </a:buClr>
-              <a:buSzPts val="2000"/>
-              <a:buChar char="–"/>
-            </a:pPr>
-            <a:r>
-              <a:rPr lang="en-US" sz="2000"/>
-              <a:t>Sub Deliverable 1 of 3</a:t>
-            </a:r>
-            <a:endParaRPr/>
-          </a:p>
-          <a:p>
-            <a:pPr marL="742950" lvl="1" indent="-285750" algn="l" rtl="0">
-              <a:lnSpc>
-                <a:spcPct val="100000"/>
-              </a:lnSpc>
-              <a:spcBef>
-                <a:spcPts val="400"/>
-              </a:spcBef>
-              <a:spcAft>
-                <a:spcPts val="0"/>
-              </a:spcAft>
-              <a:buClr>
-                <a:schemeClr val="dk1"/>
-              </a:buClr>
-              <a:buSzPts val="2000"/>
-              <a:buChar char="–"/>
-            </a:pPr>
-            <a:r>
-              <a:rPr lang="en-US" sz="2000"/>
-              <a:t>Sub Deliverable 2 of 3</a:t>
-            </a:r>
-            <a:endParaRPr/>
-          </a:p>
-          <a:p>
-            <a:pPr marL="742950" lvl="1" indent="-285750" algn="l" rtl="0">
-              <a:lnSpc>
-                <a:spcPct val="100000"/>
-              </a:lnSpc>
-              <a:spcBef>
-                <a:spcPts val="400"/>
-              </a:spcBef>
-              <a:spcAft>
-                <a:spcPts val="0"/>
-              </a:spcAft>
-              <a:buClr>
-                <a:schemeClr val="dk1"/>
-              </a:buClr>
-              <a:buSzPts val="2000"/>
-              <a:buChar char="–"/>
-            </a:pPr>
-            <a:r>
-              <a:rPr lang="en-US" sz="2000"/>
-              <a:t>Sub Deliverable 3 of 3</a:t>
-            </a:r>
-            <a:endParaRPr/>
-          </a:p>
-          <a:p>
-            <a:pPr marL="742950" lvl="1" indent="-285750" algn="l" rtl="0">
-              <a:lnSpc>
-                <a:spcPct val="100000"/>
-              </a:lnSpc>
-              <a:spcBef>
-                <a:spcPts val="400"/>
-              </a:spcBef>
-              <a:spcAft>
-                <a:spcPts val="0"/>
-              </a:spcAft>
-              <a:buClr>
-                <a:schemeClr val="dk1"/>
-              </a:buClr>
-              <a:buSzPts val="2000"/>
-              <a:buChar char="–"/>
-            </a:pPr>
-            <a:r>
-              <a:rPr lang="en-US" sz="2000"/>
-              <a:t>. . .</a:t>
-            </a:r>
-            <a:endParaRPr/>
-          </a:p>
-          <a:p>
-            <a:pPr marL="342900" lvl="0" indent="-342900" algn="l" rtl="0">
-              <a:lnSpc>
-                <a:spcPct val="100000"/>
-              </a:lnSpc>
-              <a:spcBef>
-                <a:spcPts val="480"/>
-              </a:spcBef>
-              <a:spcAft>
-                <a:spcPts val="0"/>
-              </a:spcAft>
-              <a:buClr>
-                <a:schemeClr val="dk1"/>
-              </a:buClr>
-              <a:buSzPts val="2400"/>
-              <a:buChar char="•"/>
-            </a:pPr>
-            <a:r>
-              <a:rPr lang="en-US" sz="2400"/>
-              <a:t>Major Deliverable 4</a:t>
-            </a:r>
-            <a:endParaRPr/>
-          </a:p>
-          <a:p>
-            <a:pPr marL="342900" lvl="0" indent="-342900" algn="l" rtl="0">
-              <a:lnSpc>
-                <a:spcPct val="100000"/>
-              </a:lnSpc>
-              <a:spcBef>
-                <a:spcPts val="480"/>
-              </a:spcBef>
-              <a:spcAft>
-                <a:spcPts val="0"/>
-              </a:spcAft>
-              <a:buClr>
-                <a:schemeClr val="dk1"/>
-              </a:buClr>
-              <a:buSzPts val="2400"/>
-              <a:buChar char="•"/>
-            </a:pPr>
-            <a:r>
-              <a:rPr lang="en-US" sz="2400"/>
-              <a:t>. . .</a:t>
-            </a:r>
-            <a:endParaRPr/>
-          </a:p>
-        </p:txBody>
-      </p:sp>
-      <p:sp>
-        <p:nvSpPr>
-          <p:cNvPr id="508" name="Google Shape;508;p65"/>
-          <p:cNvSpPr txBox="1">
-            <a:spLocks noGrp="1"/>
-          </p:cNvSpPr>
-          <p:nvPr>
-            <p:ph type="sldNum" idx="12"/>
-          </p:nvPr>
-        </p:nvSpPr>
-        <p:spPr>
-          <a:xfrm>
-            <a:off x="6553200" y="6356350"/>
-            <a:ext cx="2133600" cy="365125"/>
-          </a:xfrm>
-          <a:prstGeom prst="rect">
-            <a:avLst/>
-          </a:prstGeom>
-          <a:noFill/>
-          <a:ln>
-            <a:noFill/>
-          </a:ln>
-        </p:spPr>
-        <p:txBody>
-          <a:bodyPr spcFirstLastPara="1" wrap="square" lIns="91425" tIns="45700" rIns="91425" bIns="45700" anchor="ctr" anchorCtr="0">
-            <a:noAutofit/>
-          </a:bodyPr>
-          <a:lstStyle/>
-          <a:p>
-            <a:pPr marL="0" lvl="0" indent="0" algn="r" rtl="0">
-              <a:lnSpc>
-                <a:spcPct val="100000"/>
-              </a:lnSpc>
-              <a:spcBef>
-                <a:spcPts val="0"/>
-              </a:spcBef>
-              <a:spcAft>
-                <a:spcPts val="0"/>
-              </a:spcAft>
-              <a:buSzPts val="1200"/>
-              <a:buNone/>
-            </a:pPr>
-            <a:fld id="{00000000-1234-1234-1234-123412341234}" type="slidenum">
-              <a:rPr lang="en-US"/>
-              <a:t>51</a:t>
-            </a:fld>
-            <a:endParaRPr/>
-          </a:p>
-        </p:txBody>
-      </p:sp>
-    </p:spTree>
-  </p:cSld>
-  <p:clrMapOvr>
-    <a:masterClrMapping/>
-  </p:clrMapOvr>
-</p:sld>
-</file>
-
-<file path=ppt/slides/slide52.xml><?xml version="1.0" encoding="utf-8"?>
-<p:sld xmlns:a="http://schemas.openxmlformats.org/drawingml/2006/main" xmlns:r="http://schemas.openxmlformats.org/officeDocument/2006/relationships" xmlns:p="http://schemas.openxmlformats.org/presentationml/2006/main">
-  <p:cSld>
-    <p:spTree>
-      <p:nvGrpSpPr>
         <p:cNvPr id="1" name="Shape 512"/>
         <p:cNvGrpSpPr/>
         <p:nvPr/>
@@ -40140,7 +38975,7 @@
             </a:pPr>
             <a:fld id="{00000000-1234-1234-1234-123412341234}" type="slidenum">
               <a:rPr lang="en-US"/>
-              <a:t>52</a:t>
+              <a:t>50</a:t>
             </a:fld>
             <a:endParaRPr/>
           </a:p>
@@ -40154,7 +38989,7 @@
 </p:sld>
 </file>
 
-<file path=ppt/slides/slide53.xml><?xml version="1.0" encoding="utf-8"?>
+<file path=ppt/slides/slide51.xml><?xml version="1.0" encoding="utf-8"?>
 <p:sld xmlns:a="http://schemas.openxmlformats.org/drawingml/2006/main" xmlns:r="http://schemas.openxmlformats.org/officeDocument/2006/relationships" xmlns:p="http://schemas.openxmlformats.org/presentationml/2006/main">
   <p:cSld>
     <p:spTree>
@@ -40375,7 +39210,7 @@
             </a:pPr>
             <a:fld id="{00000000-1234-1234-1234-123412341234}" type="slidenum">
               <a:rPr lang="en-US"/>
-              <a:t>53</a:t>
+              <a:t>51</a:t>
             </a:fld>
             <a:endParaRPr/>
           </a:p>
@@ -40389,7 +39224,7 @@
 </p:sld>
 </file>
 
-<file path=ppt/slides/slide54.xml><?xml version="1.0" encoding="utf-8"?>
+<file path=ppt/slides/slide52.xml><?xml version="1.0" encoding="utf-8"?>
 <p:sld xmlns:a="http://schemas.openxmlformats.org/drawingml/2006/main" xmlns:r="http://schemas.openxmlformats.org/officeDocument/2006/relationships" xmlns:p="http://schemas.openxmlformats.org/presentationml/2006/main">
   <p:cSld>
     <p:spTree>
@@ -40500,7 +39335,7 @@
             </a:pPr>
             <a:fld id="{00000000-1234-1234-1234-123412341234}" type="slidenum">
               <a:rPr lang="en-US"/>
-              <a:t>54</a:t>
+              <a:t>52</a:t>
             </a:fld>
             <a:endParaRPr/>
           </a:p>
@@ -40514,7 +39349,7 @@
 </p:sld>
 </file>
 
-<file path=ppt/slides/slide55.xml><?xml version="1.0" encoding="utf-8"?>
+<file path=ppt/slides/slide53.xml><?xml version="1.0" encoding="utf-8"?>
 <p:sld xmlns:a="http://schemas.openxmlformats.org/drawingml/2006/main" xmlns:r="http://schemas.openxmlformats.org/officeDocument/2006/relationships" xmlns:p="http://schemas.openxmlformats.org/presentationml/2006/main">
   <p:cSld>
     <p:spTree>
@@ -40793,7 +39628,7 @@
             </a:pPr>
             <a:fld id="{00000000-1234-1234-1234-123412341234}" type="slidenum">
               <a:rPr lang="en-US"/>
-              <a:t>55</a:t>
+              <a:t>53</a:t>
             </a:fld>
             <a:endParaRPr/>
           </a:p>
@@ -40807,7 +39642,7 @@
 </p:sld>
 </file>
 
-<file path=ppt/slides/slide56.xml><?xml version="1.0" encoding="utf-8"?>
+<file path=ppt/slides/slide54.xml><?xml version="1.0" encoding="utf-8"?>
 <p:sld xmlns:a="http://schemas.openxmlformats.org/drawingml/2006/main" xmlns:r="http://schemas.openxmlformats.org/officeDocument/2006/relationships" xmlns:p="http://schemas.openxmlformats.org/presentationml/2006/main">
   <p:cSld>
     <p:spTree>
@@ -40936,7 +39771,7 @@
             </a:pPr>
             <a:fld id="{00000000-1234-1234-1234-123412341234}" type="slidenum">
               <a:rPr lang="en-US"/>
-              <a:t>56</a:t>
+              <a:t>54</a:t>
             </a:fld>
             <a:endParaRPr/>
           </a:p>
@@ -40955,7 +39790,7 @@
 </p:sld>
 </file>
 
-<file path=ppt/slides/slide57.xml><?xml version="1.0" encoding="utf-8"?>
+<file path=ppt/slides/slide55.xml><?xml version="1.0" encoding="utf-8"?>
 <p:sld xmlns:a="http://schemas.openxmlformats.org/drawingml/2006/main" xmlns:r="http://schemas.openxmlformats.org/officeDocument/2006/relationships" xmlns:p="http://schemas.openxmlformats.org/presentationml/2006/main">
   <p:cSld>
     <p:spTree>
@@ -41137,7 +39972,7 @@
             </a:pPr>
             <a:fld id="{00000000-1234-1234-1234-123412341234}" type="slidenum">
               <a:rPr lang="en-US" smtClean="0"/>
-              <a:t>57</a:t>
+              <a:t>55</a:t>
             </a:fld>
             <a:endParaRPr lang="en-US"/>
           </a:p>
